--- a/DBD 분석/맵 분석/3. 콜드윈드 농장(★)/3. 썩은 들판(★)/영상분석자료/탄착군 분석/탄착군_종합분석.pptx
+++ b/DBD 분석/맵 분석/3. 콜드윈드 농장(★)/3. 썩은 들판(★)/영상분석자료/탄착군 분석/탄착군_종합분석.pptx
@@ -5,7 +5,7 @@
     <p:sldMasterId id="2147483648" r:id="rId1"/>
   </p:sldMasterIdLst>
   <p:notesMasterIdLst>
-    <p:notesMasterId r:id="rId14"/>
+    <p:notesMasterId r:id="rId15"/>
   </p:notesMasterIdLst>
   <p:sldIdLst>
     <p:sldId id="291" r:id="rId2"/>
@@ -19,7 +19,8 @@
     <p:sldId id="304" r:id="rId10"/>
     <p:sldId id="305" r:id="rId11"/>
     <p:sldId id="306" r:id="rId12"/>
-    <p:sldId id="294" r:id="rId13"/>
+    <p:sldId id="307" r:id="rId13"/>
+    <p:sldId id="294" r:id="rId14"/>
   </p:sldIdLst>
   <p:sldSz cx="12192000" cy="6858000"/>
   <p:notesSz cx="6858000" cy="9144000"/>
@@ -18859,7 +18860,7 @@
           <a:p>
             <a:fld id="{92FB9B8E-7460-4A65-8DD1-5001397F6CD0}" type="datetimeFigureOut">
               <a:rPr lang="ko-KR" altLang="en-US" smtClean="0"/>
-              <a:t>2020-07-08</a:t>
+              <a:t>2020-07-12</a:t>
             </a:fld>
             <a:endParaRPr lang="ko-KR" altLang="en-US"/>
           </a:p>
@@ -19445,6 +19446,90 @@
             <a:fld id="{0D2F3107-8B6A-4B65-B28D-2687EDAB2094}" type="slidenum">
               <a:rPr lang="ko-KR" altLang="en-US" smtClean="0"/>
               <a:t>12</a:t>
+            </a:fld>
+            <a:endParaRPr lang="ko-KR" altLang="en-US"/>
+          </a:p>
+        </p:txBody>
+      </p:sp>
+    </p:spTree>
+    <p:extLst>
+      <p:ext uri="{BB962C8B-B14F-4D97-AF65-F5344CB8AC3E}">
+        <p14:creationId xmlns:p14="http://schemas.microsoft.com/office/powerpoint/2010/main" val="2074357709"/>
+      </p:ext>
+    </p:extLst>
+  </p:cSld>
+  <p:clrMapOvr>
+    <a:masterClrMapping/>
+  </p:clrMapOvr>
+</p:notes>
+</file>
+
+<file path=ppt/notesSlides/notesSlide13.xml><?xml version="1.0" encoding="utf-8"?>
+<p:notes xmlns:a="http://schemas.openxmlformats.org/drawingml/2006/main" xmlns:r="http://schemas.openxmlformats.org/officeDocument/2006/relationships" xmlns:p="http://schemas.openxmlformats.org/presentationml/2006/main">
+  <p:cSld>
+    <p:spTree>
+      <p:nvGrpSpPr>
+        <p:cNvPr id="1" name=""/>
+        <p:cNvGrpSpPr/>
+        <p:nvPr/>
+      </p:nvGrpSpPr>
+      <p:grpSpPr>
+        <a:xfrm>
+          <a:off x="0" y="0"/>
+          <a:ext cx="0" cy="0"/>
+          <a:chOff x="0" y="0"/>
+          <a:chExt cx="0" cy="0"/>
+        </a:xfrm>
+      </p:grpSpPr>
+      <p:sp>
+        <p:nvSpPr>
+          <p:cNvPr id="2" name="슬라이드 이미지 개체 틀 1"/>
+          <p:cNvSpPr>
+            <a:spLocks noGrp="1" noRot="1" noChangeAspect="1"/>
+          </p:cNvSpPr>
+          <p:nvPr>
+            <p:ph type="sldImg"/>
+          </p:nvPr>
+        </p:nvSpPr>
+        <p:spPr/>
+      </p:sp>
+      <p:sp>
+        <p:nvSpPr>
+          <p:cNvPr id="3" name="슬라이드 노트 개체 틀 2"/>
+          <p:cNvSpPr>
+            <a:spLocks noGrp="1"/>
+          </p:cNvSpPr>
+          <p:nvPr>
+            <p:ph type="body" idx="1"/>
+          </p:nvPr>
+        </p:nvSpPr>
+        <p:spPr/>
+        <p:txBody>
+          <a:bodyPr/>
+          <a:lstStyle/>
+          <a:p>
+            <a:endParaRPr lang="en-US" altLang="ko-KR" baseline="0" dirty="0" smtClean="0"/>
+          </a:p>
+        </p:txBody>
+      </p:sp>
+      <p:sp>
+        <p:nvSpPr>
+          <p:cNvPr id="4" name="슬라이드 번호 개체 틀 3"/>
+          <p:cNvSpPr>
+            <a:spLocks noGrp="1"/>
+          </p:cNvSpPr>
+          <p:nvPr>
+            <p:ph type="sldNum" sz="quarter" idx="10"/>
+          </p:nvPr>
+        </p:nvSpPr>
+        <p:spPr/>
+        <p:txBody>
+          <a:bodyPr/>
+          <a:lstStyle/>
+          <a:p>
+            <a:fld id="{0D2F3107-8B6A-4B65-B28D-2687EDAB2094}" type="slidenum">
+              <a:rPr lang="ko-KR" altLang="en-US" smtClean="0"/>
+              <a:t>13</a:t>
             </a:fld>
             <a:endParaRPr lang="ko-KR" altLang="en-US"/>
           </a:p>
@@ -20266,7 +20351,7 @@
           <a:p>
             <a:fld id="{F86301F8-5A19-4D53-B525-D052BC8201C6}" type="datetimeFigureOut">
               <a:rPr lang="ko-KR" altLang="en-US" smtClean="0"/>
-              <a:t>2020-07-08</a:t>
+              <a:t>2020-07-12</a:t>
             </a:fld>
             <a:endParaRPr lang="ko-KR" altLang="en-US"/>
           </a:p>
@@ -20436,7 +20521,7 @@
           <a:p>
             <a:fld id="{F86301F8-5A19-4D53-B525-D052BC8201C6}" type="datetimeFigureOut">
               <a:rPr lang="ko-KR" altLang="en-US" smtClean="0"/>
-              <a:t>2020-07-08</a:t>
+              <a:t>2020-07-12</a:t>
             </a:fld>
             <a:endParaRPr lang="ko-KR" altLang="en-US"/>
           </a:p>
@@ -20616,7 +20701,7 @@
           <a:p>
             <a:fld id="{F86301F8-5A19-4D53-B525-D052BC8201C6}" type="datetimeFigureOut">
               <a:rPr lang="ko-KR" altLang="en-US" smtClean="0"/>
-              <a:t>2020-07-08</a:t>
+              <a:t>2020-07-12</a:t>
             </a:fld>
             <a:endParaRPr lang="ko-KR" altLang="en-US"/>
           </a:p>
@@ -20786,7 +20871,7 @@
           <a:p>
             <a:fld id="{F86301F8-5A19-4D53-B525-D052BC8201C6}" type="datetimeFigureOut">
               <a:rPr lang="ko-KR" altLang="en-US" smtClean="0"/>
-              <a:t>2020-07-08</a:t>
+              <a:t>2020-07-12</a:t>
             </a:fld>
             <a:endParaRPr lang="ko-KR" altLang="en-US"/>
           </a:p>
@@ -21032,7 +21117,7 @@
           <a:p>
             <a:fld id="{F86301F8-5A19-4D53-B525-D052BC8201C6}" type="datetimeFigureOut">
               <a:rPr lang="ko-KR" altLang="en-US" smtClean="0"/>
-              <a:t>2020-07-08</a:t>
+              <a:t>2020-07-12</a:t>
             </a:fld>
             <a:endParaRPr lang="ko-KR" altLang="en-US"/>
           </a:p>
@@ -21264,7 +21349,7 @@
           <a:p>
             <a:fld id="{F86301F8-5A19-4D53-B525-D052BC8201C6}" type="datetimeFigureOut">
               <a:rPr lang="ko-KR" altLang="en-US" smtClean="0"/>
-              <a:t>2020-07-08</a:t>
+              <a:t>2020-07-12</a:t>
             </a:fld>
             <a:endParaRPr lang="ko-KR" altLang="en-US"/>
           </a:p>
@@ -21631,7 +21716,7 @@
           <a:p>
             <a:fld id="{F86301F8-5A19-4D53-B525-D052BC8201C6}" type="datetimeFigureOut">
               <a:rPr lang="ko-KR" altLang="en-US" smtClean="0"/>
-              <a:t>2020-07-08</a:t>
+              <a:t>2020-07-12</a:t>
             </a:fld>
             <a:endParaRPr lang="ko-KR" altLang="en-US"/>
           </a:p>
@@ -21749,7 +21834,7 @@
           <a:p>
             <a:fld id="{F86301F8-5A19-4D53-B525-D052BC8201C6}" type="datetimeFigureOut">
               <a:rPr lang="ko-KR" altLang="en-US" smtClean="0"/>
-              <a:t>2020-07-08</a:t>
+              <a:t>2020-07-12</a:t>
             </a:fld>
             <a:endParaRPr lang="ko-KR" altLang="en-US"/>
           </a:p>
@@ -21844,7 +21929,7 @@
           <a:p>
             <a:fld id="{F86301F8-5A19-4D53-B525-D052BC8201C6}" type="datetimeFigureOut">
               <a:rPr lang="ko-KR" altLang="en-US" smtClean="0"/>
-              <a:t>2020-07-08</a:t>
+              <a:t>2020-07-12</a:t>
             </a:fld>
             <a:endParaRPr lang="ko-KR" altLang="en-US"/>
           </a:p>
@@ -22121,7 +22206,7 @@
           <a:p>
             <a:fld id="{F86301F8-5A19-4D53-B525-D052BC8201C6}" type="datetimeFigureOut">
               <a:rPr lang="ko-KR" altLang="en-US" smtClean="0"/>
-              <a:t>2020-07-08</a:t>
+              <a:t>2020-07-12</a:t>
             </a:fld>
             <a:endParaRPr lang="ko-KR" altLang="en-US"/>
           </a:p>
@@ -22374,7 +22459,7 @@
           <a:p>
             <a:fld id="{F86301F8-5A19-4D53-B525-D052BC8201C6}" type="datetimeFigureOut">
               <a:rPr lang="ko-KR" altLang="en-US" smtClean="0"/>
-              <a:t>2020-07-08</a:t>
+              <a:t>2020-07-12</a:t>
             </a:fld>
             <a:endParaRPr lang="ko-KR" altLang="en-US"/>
           </a:p>
@@ -22587,7 +22672,7 @@
           <a:p>
             <a:fld id="{F86301F8-5A19-4D53-B525-D052BC8201C6}" type="datetimeFigureOut">
               <a:rPr lang="ko-KR" altLang="en-US" smtClean="0"/>
-              <a:t>2020-07-08</a:t>
+              <a:t>2020-07-12</a:t>
             </a:fld>
             <a:endParaRPr lang="ko-KR" altLang="en-US"/>
           </a:p>
@@ -23546,14 +23631,14 @@
           <p:nvPr>
             <p:extLst>
               <p:ext uri="{D42A27DB-BD31-4B8C-83A1-F6EECF244321}">
-                <p14:modId xmlns:p14="http://schemas.microsoft.com/office/powerpoint/2010/main" val="2496538947"/>
+                <p14:modId xmlns:p14="http://schemas.microsoft.com/office/powerpoint/2010/main" val="449450555"/>
               </p:ext>
             </p:extLst>
           </p:nvPr>
         </p:nvGraphicFramePr>
         <p:xfrm>
           <a:off x="527393" y="279091"/>
-          <a:ext cx="11268366" cy="6162040"/>
+          <a:ext cx="11268368" cy="6162040"/>
         </p:xfrm>
         <a:graphic>
           <a:graphicData uri="http://schemas.openxmlformats.org/drawingml/2006/table">
@@ -23562,45 +23647,52 @@
                 <a:tableStyleId>{5940675A-B579-460E-94D1-54222C63F5DA}</a:tableStyleId>
               </a:tblPr>
               <a:tblGrid>
-                <a:gridCol w="1878061">
+                <a:gridCol w="1916549">
                   <a:extLst>
                     <a:ext uri="{9D8B030D-6E8A-4147-A177-3AD203B41FA5}">
                       <a16:colId xmlns:a16="http://schemas.microsoft.com/office/drawing/2014/main" val="3424988459"/>
                     </a:ext>
                   </a:extLst>
                 </a:gridCol>
-                <a:gridCol w="1878061">
+                <a:gridCol w="1100605">
                   <a:extLst>
                     <a:ext uri="{9D8B030D-6E8A-4147-A177-3AD203B41FA5}">
                       <a16:colId xmlns:a16="http://schemas.microsoft.com/office/drawing/2014/main" val="3566123871"/>
                     </a:ext>
                   </a:extLst>
                 </a:gridCol>
-                <a:gridCol w="1878061">
+                <a:gridCol w="1100605">
                   <a:extLst>
                     <a:ext uri="{9D8B030D-6E8A-4147-A177-3AD203B41FA5}">
                       <a16:colId xmlns:a16="http://schemas.microsoft.com/office/drawing/2014/main" val="2614353504"/>
                     </a:ext>
                   </a:extLst>
                 </a:gridCol>
-                <a:gridCol w="1878061">
+                <a:gridCol w="1100605">
                   <a:extLst>
                     <a:ext uri="{9D8B030D-6E8A-4147-A177-3AD203B41FA5}">
                       <a16:colId xmlns:a16="http://schemas.microsoft.com/office/drawing/2014/main" val="4146456505"/>
                     </a:ext>
                   </a:extLst>
                 </a:gridCol>
-                <a:gridCol w="1878061">
+                <a:gridCol w="1100605">
                   <a:extLst>
                     <a:ext uri="{9D8B030D-6E8A-4147-A177-3AD203B41FA5}">
                       <a16:colId xmlns:a16="http://schemas.microsoft.com/office/drawing/2014/main" val="681184363"/>
                     </a:ext>
                   </a:extLst>
                 </a:gridCol>
-                <a:gridCol w="1878061">
+                <a:gridCol w="1100605">
                   <a:extLst>
                     <a:ext uri="{9D8B030D-6E8A-4147-A177-3AD203B41FA5}">
                       <a16:colId xmlns:a16="http://schemas.microsoft.com/office/drawing/2014/main" val="1123651442"/>
+                    </a:ext>
+                  </a:extLst>
+                </a:gridCol>
+                <a:gridCol w="3848794">
+                  <a:extLst>
+                    <a:ext uri="{9D8B030D-6E8A-4147-A177-3AD203B41FA5}">
+                      <a16:colId xmlns:a16="http://schemas.microsoft.com/office/drawing/2014/main" val="1660990611"/>
                     </a:ext>
                   </a:extLst>
                 </a:gridCol>
@@ -23634,7 +23726,19 @@
                       </a:r>
                       <a:r>
                         <a:rPr lang="ko-KR" altLang="en-US" sz="1600" baseline="0" dirty="0" smtClean="0"/>
-                        <a:t> 분류</a:t>
+                        <a:t> </a:t>
+                      </a:r>
+                      <a:r>
+                        <a:rPr lang="ko-KR" altLang="en-US" sz="1600" baseline="0" dirty="0" smtClean="0"/>
+                        <a:t>분류 </a:t>
+                      </a:r>
+                      <a:r>
+                        <a:rPr lang="en-US" altLang="ko-KR" sz="1600" baseline="0" dirty="0" smtClean="0"/>
+                        <a:t>/ </a:t>
+                      </a:r>
+                      <a:r>
+                        <a:rPr lang="ko-KR" altLang="en-US" sz="1600" baseline="0" dirty="0" smtClean="0"/>
+                        <a:t>모멘트</a:t>
                       </a:r>
                       <a:endParaRPr lang="ko-KR" altLang="en-US" sz="1600" dirty="0"/>
                     </a:p>
@@ -23710,6 +23814,21 @@
                       <a:r>
                         <a:rPr lang="en-US" altLang="ko-KR" dirty="0" smtClean="0"/>
                         <a:t>Total</a:t>
+                      </a:r>
+                      <a:endParaRPr lang="ko-KR" altLang="en-US" dirty="0"/>
+                    </a:p>
+                  </a:txBody>
+                  <a:tcPr anchor="ctr"/>
+                </a:tc>
+                <a:tc>
+                  <a:txBody>
+                    <a:bodyPr/>
+                    <a:lstStyle/>
+                    <a:p>
+                      <a:pPr algn="ctr" latinLnBrk="1"/>
+                      <a:r>
+                        <a:rPr lang="en-US" altLang="ko-KR" dirty="0" smtClean="0"/>
+                        <a:t>Tendency</a:t>
                       </a:r>
                       <a:endParaRPr lang="ko-KR" altLang="en-US" dirty="0"/>
                     </a:p>
@@ -23841,6 +23960,21 @@
                   </a:txBody>
                   <a:tcPr anchor="ctr"/>
                 </a:tc>
+                <a:tc>
+                  <a:txBody>
+                    <a:bodyPr/>
+                    <a:lstStyle/>
+                    <a:p>
+                      <a:pPr algn="ctr" latinLnBrk="1"/>
+                      <a:r>
+                        <a:rPr lang="en-US" altLang="ko-KR" sz="1800" dirty="0" smtClean="0"/>
+                        <a:t>‘E’ - ‘C’ - ‘C~S’ - ‘E’</a:t>
+                      </a:r>
+                      <a:endParaRPr lang="ko-KR" altLang="en-US" sz="1800" dirty="0"/>
+                    </a:p>
+                  </a:txBody>
+                  <a:tcPr anchor="ctr"/>
+                </a:tc>
                 <a:extLst>
                   <a:ext uri="{0D108BD9-81ED-4DB2-BD59-A6C34878D82A}">
                     <a16:rowId xmlns:a16="http://schemas.microsoft.com/office/drawing/2014/main" val="4097989534"/>
@@ -23931,7 +24065,7 @@
                     <a:lstStyle/>
                     <a:p>
                       <a:pPr algn="ctr" latinLnBrk="1"/>
-                      <a:endParaRPr lang="ko-KR" altLang="en-US"/>
+                      <a:endParaRPr lang="ko-KR" altLang="en-US" dirty="0"/>
                     </a:p>
                   </a:txBody>
                   <a:tcPr anchor="ctr"/>
@@ -23962,6 +24096,37 @@
                         <a:t>7</a:t>
                       </a:r>
                       <a:endParaRPr lang="ko-KR" altLang="en-US" dirty="0"/>
+                    </a:p>
+                  </a:txBody>
+                  <a:tcPr anchor="ctr"/>
+                </a:tc>
+                <a:tc>
+                  <a:txBody>
+                    <a:bodyPr/>
+                    <a:lstStyle/>
+                    <a:p>
+                      <a:pPr marL="0" marR="0" indent="0" algn="ctr" defTabSz="914400" rtl="0" eaLnBrk="1" fontAlgn="auto" latinLnBrk="1" hangingPunct="1">
+                        <a:lnSpc>
+                          <a:spcPct val="100000"/>
+                        </a:lnSpc>
+                        <a:spcBef>
+                          <a:spcPts val="0"/>
+                        </a:spcBef>
+                        <a:spcAft>
+                          <a:spcPts val="0"/>
+                        </a:spcAft>
+                        <a:buClrTx/>
+                        <a:buSzTx/>
+                        <a:buFontTx/>
+                        <a:buNone/>
+                        <a:tabLst/>
+                        <a:defRPr/>
+                      </a:pPr>
+                      <a:r>
+                        <a:rPr lang="en-US" altLang="ko-KR" sz="1800" dirty="0" smtClean="0"/>
+                        <a:t>‘C’ - ‘S’ - ‘C’ - ‘C’ - ‘C~S’ - ‘N’</a:t>
+                      </a:r>
+                      <a:endParaRPr lang="ko-KR" altLang="en-US" sz="1800" dirty="0" smtClean="0"/>
                     </a:p>
                   </a:txBody>
                   <a:tcPr anchor="ctr"/>
@@ -24087,6 +24252,37 @@
                   </a:txBody>
                   <a:tcPr anchor="ctr"/>
                 </a:tc>
+                <a:tc>
+                  <a:txBody>
+                    <a:bodyPr/>
+                    <a:lstStyle/>
+                    <a:p>
+                      <a:pPr marL="0" marR="0" indent="0" algn="ctr" defTabSz="914400" rtl="0" eaLnBrk="1" fontAlgn="auto" latinLnBrk="1" hangingPunct="1">
+                        <a:lnSpc>
+                          <a:spcPct val="100000"/>
+                        </a:lnSpc>
+                        <a:spcBef>
+                          <a:spcPts val="0"/>
+                        </a:spcBef>
+                        <a:spcAft>
+                          <a:spcPts val="0"/>
+                        </a:spcAft>
+                        <a:buClrTx/>
+                        <a:buSzTx/>
+                        <a:buFontTx/>
+                        <a:buNone/>
+                        <a:tabLst/>
+                        <a:defRPr/>
+                      </a:pPr>
+                      <a:r>
+                        <a:rPr lang="en-US" altLang="ko-KR" sz="1800" dirty="0" smtClean="0"/>
+                        <a:t>‘E’ - ‘C’ - ‘E’ - ‘C’</a:t>
+                      </a:r>
+                      <a:endParaRPr lang="ko-KR" altLang="en-US" sz="1800" dirty="0" smtClean="0"/>
+                    </a:p>
+                  </a:txBody>
+                  <a:tcPr anchor="ctr"/>
+                </a:tc>
                 <a:extLst>
                   <a:ext uri="{0D108BD9-81ED-4DB2-BD59-A6C34878D82A}">
                     <a16:rowId xmlns:a16="http://schemas.microsoft.com/office/drawing/2014/main" val="3376370474"/>
@@ -24200,6 +24396,37 @@
                         <a:t>1</a:t>
                       </a:r>
                       <a:endParaRPr lang="ko-KR" altLang="en-US" dirty="0"/>
+                    </a:p>
+                  </a:txBody>
+                  <a:tcPr anchor="ctr"/>
+                </a:tc>
+                <a:tc>
+                  <a:txBody>
+                    <a:bodyPr/>
+                    <a:lstStyle/>
+                    <a:p>
+                      <a:pPr marL="0" marR="0" indent="0" algn="ctr" defTabSz="914400" rtl="0" eaLnBrk="1" fontAlgn="auto" latinLnBrk="1" hangingPunct="1">
+                        <a:lnSpc>
+                          <a:spcPct val="100000"/>
+                        </a:lnSpc>
+                        <a:spcBef>
+                          <a:spcPts val="0"/>
+                        </a:spcBef>
+                        <a:spcAft>
+                          <a:spcPts val="0"/>
+                        </a:spcAft>
+                        <a:buClrTx/>
+                        <a:buSzTx/>
+                        <a:buFontTx/>
+                        <a:buNone/>
+                        <a:tabLst/>
+                        <a:defRPr/>
+                      </a:pPr>
+                      <a:r>
+                        <a:rPr lang="en-US" altLang="ko-KR" sz="1800" dirty="0" smtClean="0"/>
+                        <a:t>‘C’ - ‘E’</a:t>
+                      </a:r>
+                      <a:endParaRPr lang="ko-KR" altLang="en-US" sz="1800" dirty="0" smtClean="0"/>
                     </a:p>
                   </a:txBody>
                   <a:tcPr anchor="ctr"/>
@@ -24325,6 +24552,37 @@
                   </a:txBody>
                   <a:tcPr anchor="ctr"/>
                 </a:tc>
+                <a:tc>
+                  <a:txBody>
+                    <a:bodyPr/>
+                    <a:lstStyle/>
+                    <a:p>
+                      <a:pPr marL="0" marR="0" indent="0" algn="ctr" defTabSz="914400" rtl="0" eaLnBrk="1" fontAlgn="auto" latinLnBrk="1" hangingPunct="1">
+                        <a:lnSpc>
+                          <a:spcPct val="100000"/>
+                        </a:lnSpc>
+                        <a:spcBef>
+                          <a:spcPts val="0"/>
+                        </a:spcBef>
+                        <a:spcAft>
+                          <a:spcPts val="0"/>
+                        </a:spcAft>
+                        <a:buClrTx/>
+                        <a:buSzTx/>
+                        <a:buFontTx/>
+                        <a:buNone/>
+                        <a:tabLst/>
+                        <a:defRPr/>
+                      </a:pPr>
+                      <a:r>
+                        <a:rPr lang="en-US" altLang="ko-KR" sz="1800" dirty="0" smtClean="0"/>
+                        <a:t>‘C’ - ‘E’ - ‘C’ - ‘C’ - ‘C’</a:t>
+                      </a:r>
+                      <a:endParaRPr lang="ko-KR" altLang="en-US" sz="1800" dirty="0" smtClean="0"/>
+                    </a:p>
+                  </a:txBody>
+                  <a:tcPr anchor="ctr"/>
+                </a:tc>
                 <a:extLst>
                   <a:ext uri="{0D108BD9-81ED-4DB2-BD59-A6C34878D82A}">
                     <a16:rowId xmlns:a16="http://schemas.microsoft.com/office/drawing/2014/main" val="1539269141"/>
@@ -24442,6 +24700,37 @@
                         <a:t>10</a:t>
                       </a:r>
                       <a:endParaRPr lang="ko-KR" altLang="en-US" dirty="0"/>
+                    </a:p>
+                  </a:txBody>
+                  <a:tcPr anchor="ctr"/>
+                </a:tc>
+                <a:tc>
+                  <a:txBody>
+                    <a:bodyPr/>
+                    <a:lstStyle/>
+                    <a:p>
+                      <a:pPr marL="0" marR="0" indent="0" algn="ctr" defTabSz="914400" rtl="0" eaLnBrk="1" fontAlgn="auto" latinLnBrk="1" hangingPunct="1">
+                        <a:lnSpc>
+                          <a:spcPct val="100000"/>
+                        </a:lnSpc>
+                        <a:spcBef>
+                          <a:spcPts val="0"/>
+                        </a:spcBef>
+                        <a:spcAft>
+                          <a:spcPts val="0"/>
+                        </a:spcAft>
+                        <a:buClrTx/>
+                        <a:buSzTx/>
+                        <a:buFontTx/>
+                        <a:buNone/>
+                        <a:tabLst/>
+                        <a:defRPr/>
+                      </a:pPr>
+                      <a:r>
+                        <a:rPr lang="en-US" altLang="ko-KR" sz="1800" dirty="0" smtClean="0"/>
+                        <a:t>‘C’ - ‘E’ - ‘C/E’ - ‘C/E’ - ‘C/E’ - ‘C/E’</a:t>
+                      </a:r>
+                      <a:endParaRPr lang="ko-KR" altLang="en-US" sz="1800" dirty="0" smtClean="0"/>
                     </a:p>
                   </a:txBody>
                   <a:tcPr anchor="ctr"/>
@@ -24571,6 +24860,21 @@
                   </a:txBody>
                   <a:tcPr anchor="ctr"/>
                 </a:tc>
+                <a:tc>
+                  <a:txBody>
+                    <a:bodyPr/>
+                    <a:lstStyle/>
+                    <a:p>
+                      <a:pPr algn="ctr" latinLnBrk="1"/>
+                      <a:r>
+                        <a:rPr lang="en-US" altLang="ko-KR" sz="1800" dirty="0" smtClean="0"/>
+                        <a:t>‘S’ - ‘C’ - ‘E’ - ‘E’ - ‘C~S’ – ‘E’</a:t>
+                      </a:r>
+                      <a:endParaRPr lang="ko-KR" altLang="en-US" sz="1800" dirty="0"/>
+                    </a:p>
+                  </a:txBody>
+                  <a:tcPr anchor="ctr"/>
+                </a:tc>
                 <a:extLst>
                   <a:ext uri="{0D108BD9-81ED-4DB2-BD59-A6C34878D82A}">
                     <a16:rowId xmlns:a16="http://schemas.microsoft.com/office/drawing/2014/main" val="1141319878"/>
@@ -24696,6 +25000,25 @@
                   </a:txBody>
                   <a:tcPr anchor="ctr"/>
                 </a:tc>
+                <a:tc>
+                  <a:txBody>
+                    <a:bodyPr/>
+                    <a:lstStyle/>
+                    <a:p>
+                      <a:pPr algn="ctr" latinLnBrk="1"/>
+                      <a:r>
+                        <a:rPr lang="en-US" altLang="ko-KR" sz="1800" dirty="0" smtClean="0"/>
+                        <a:t>‘S’</a:t>
+                      </a:r>
+                      <a:r>
+                        <a:rPr lang="en-US" altLang="ko-KR" sz="1800" baseline="0" dirty="0" smtClean="0"/>
+                        <a:t> - ‘C/E’ - ‘E’</a:t>
+                      </a:r>
+                      <a:endParaRPr lang="ko-KR" altLang="en-US" sz="1800" dirty="0"/>
+                    </a:p>
+                  </a:txBody>
+                  <a:tcPr anchor="ctr"/>
+                </a:tc>
                 <a:extLst>
                   <a:ext uri="{0D108BD9-81ED-4DB2-BD59-A6C34878D82A}">
                     <a16:rowId xmlns:a16="http://schemas.microsoft.com/office/drawing/2014/main" val="395761512"/>
@@ -24813,6 +25136,41 @@
                         <a:t>5</a:t>
                       </a:r>
                       <a:endParaRPr lang="ko-KR" altLang="en-US" dirty="0"/>
+                    </a:p>
+                  </a:txBody>
+                  <a:tcPr anchor="ctr"/>
+                </a:tc>
+                <a:tc>
+                  <a:txBody>
+                    <a:bodyPr/>
+                    <a:lstStyle/>
+                    <a:p>
+                      <a:pPr marL="0" marR="0" indent="0" algn="ctr" defTabSz="914400" rtl="0" eaLnBrk="1" fontAlgn="auto" latinLnBrk="1" hangingPunct="1">
+                        <a:lnSpc>
+                          <a:spcPct val="100000"/>
+                        </a:lnSpc>
+                        <a:spcBef>
+                          <a:spcPts val="0"/>
+                        </a:spcBef>
+                        <a:spcAft>
+                          <a:spcPts val="0"/>
+                        </a:spcAft>
+                        <a:buClrTx/>
+                        <a:buSzTx/>
+                        <a:buFontTx/>
+                        <a:buNone/>
+                        <a:tabLst/>
+                        <a:defRPr/>
+                      </a:pPr>
+                      <a:r>
+                        <a:rPr lang="en-US" altLang="ko-KR" sz="1800" dirty="0" smtClean="0"/>
+                        <a:t>‘C’</a:t>
+                      </a:r>
+                      <a:r>
+                        <a:rPr lang="en-US" altLang="ko-KR" sz="1800" baseline="0" dirty="0" smtClean="0"/>
+                        <a:t> - ‘C’ - ‘C’ - ‘S’ - ’S’</a:t>
+                      </a:r>
+                      <a:endParaRPr lang="ko-KR" altLang="en-US" sz="1800" dirty="0" smtClean="0"/>
                     </a:p>
                   </a:txBody>
                   <a:tcPr anchor="ctr"/>
@@ -24942,6 +25300,41 @@
                   </a:txBody>
                   <a:tcPr anchor="ctr"/>
                 </a:tc>
+                <a:tc>
+                  <a:txBody>
+                    <a:bodyPr/>
+                    <a:lstStyle/>
+                    <a:p>
+                      <a:pPr marL="0" marR="0" indent="0" algn="ctr" defTabSz="914400" rtl="0" eaLnBrk="1" fontAlgn="auto" latinLnBrk="1" hangingPunct="1">
+                        <a:lnSpc>
+                          <a:spcPct val="100000"/>
+                        </a:lnSpc>
+                        <a:spcBef>
+                          <a:spcPts val="0"/>
+                        </a:spcBef>
+                        <a:spcAft>
+                          <a:spcPts val="0"/>
+                        </a:spcAft>
+                        <a:buClrTx/>
+                        <a:buSzTx/>
+                        <a:buFontTx/>
+                        <a:buNone/>
+                        <a:tabLst/>
+                        <a:defRPr/>
+                      </a:pPr>
+                      <a:r>
+                        <a:rPr lang="en-US" altLang="ko-KR" sz="1800" dirty="0" smtClean="0"/>
+                        <a:t>‘S’</a:t>
+                      </a:r>
+                      <a:r>
+                        <a:rPr lang="en-US" altLang="ko-KR" sz="1800" baseline="0" dirty="0" smtClean="0"/>
+                        <a:t> - ‘S’ - ‘N’ - ‘C’</a:t>
+                      </a:r>
+                      <a:endParaRPr lang="ko-KR" altLang="en-US" sz="1800" dirty="0" smtClean="0"/>
+                    </a:p>
+                  </a:txBody>
+                  <a:tcPr anchor="ctr"/>
+                </a:tc>
                 <a:extLst>
                   <a:ext uri="{0D108BD9-81ED-4DB2-BD59-A6C34878D82A}">
                     <a16:rowId xmlns:a16="http://schemas.microsoft.com/office/drawing/2014/main" val="3956147298"/>
@@ -24973,6 +25366,1378 @@
 </file>
 
 <file path=ppt/slides/slide12.xml><?xml version="1.0" encoding="utf-8"?>
+<p:sld xmlns:a="http://schemas.openxmlformats.org/drawingml/2006/main" xmlns:r="http://schemas.openxmlformats.org/officeDocument/2006/relationships" xmlns:p="http://schemas.openxmlformats.org/presentationml/2006/main">
+  <p:cSld>
+    <p:spTree>
+      <p:nvGrpSpPr>
+        <p:cNvPr id="1" name=""/>
+        <p:cNvGrpSpPr/>
+        <p:nvPr/>
+      </p:nvGrpSpPr>
+      <p:grpSpPr>
+        <a:xfrm>
+          <a:off x="0" y="0"/>
+          <a:ext cx="0" cy="0"/>
+          <a:chOff x="0" y="0"/>
+          <a:chExt cx="0" cy="0"/>
+        </a:xfrm>
+      </p:grpSpPr>
+      <p:graphicFrame>
+        <p:nvGraphicFramePr>
+          <p:cNvPr id="4" name="표 3"/>
+          <p:cNvGraphicFramePr>
+            <a:graphicFrameLocks noGrp="1"/>
+          </p:cNvGraphicFramePr>
+          <p:nvPr>
+            <p:extLst>
+              <p:ext uri="{D42A27DB-BD31-4B8C-83A1-F6EECF244321}">
+                <p14:modId xmlns:p14="http://schemas.microsoft.com/office/powerpoint/2010/main" val="1346856356"/>
+              </p:ext>
+            </p:extLst>
+          </p:nvPr>
+        </p:nvGraphicFramePr>
+        <p:xfrm>
+          <a:off x="494142" y="478590"/>
+          <a:ext cx="11118742" cy="5938834"/>
+        </p:xfrm>
+        <a:graphic>
+          <a:graphicData uri="http://schemas.openxmlformats.org/drawingml/2006/table">
+            <a:tbl>
+              <a:tblPr firstRow="1" bandRow="1">
+                <a:tableStyleId>{5940675A-B579-460E-94D1-54222C63F5DA}</a:tableStyleId>
+              </a:tblPr>
+              <a:tblGrid>
+                <a:gridCol w="3113582">
+                  <a:extLst>
+                    <a:ext uri="{9D8B030D-6E8A-4147-A177-3AD203B41FA5}">
+                      <a16:colId xmlns:a16="http://schemas.microsoft.com/office/drawing/2014/main" val="3424988459"/>
+                    </a:ext>
+                  </a:extLst>
+                </a:gridCol>
+                <a:gridCol w="2001290">
+                  <a:extLst>
+                    <a:ext uri="{9D8B030D-6E8A-4147-A177-3AD203B41FA5}">
+                      <a16:colId xmlns:a16="http://schemas.microsoft.com/office/drawing/2014/main" val="3566123871"/>
+                    </a:ext>
+                  </a:extLst>
+                </a:gridCol>
+                <a:gridCol w="2001290">
+                  <a:extLst>
+                    <a:ext uri="{9D8B030D-6E8A-4147-A177-3AD203B41FA5}">
+                      <a16:colId xmlns:a16="http://schemas.microsoft.com/office/drawing/2014/main" val="2614353504"/>
+                    </a:ext>
+                  </a:extLst>
+                </a:gridCol>
+                <a:gridCol w="2001290">
+                  <a:extLst>
+                    <a:ext uri="{9D8B030D-6E8A-4147-A177-3AD203B41FA5}">
+                      <a16:colId xmlns:a16="http://schemas.microsoft.com/office/drawing/2014/main" val="4146456505"/>
+                    </a:ext>
+                  </a:extLst>
+                </a:gridCol>
+                <a:gridCol w="2001290">
+                  <a:extLst>
+                    <a:ext uri="{9D8B030D-6E8A-4147-A177-3AD203B41FA5}">
+                      <a16:colId xmlns:a16="http://schemas.microsoft.com/office/drawing/2014/main" val="681184363"/>
+                    </a:ext>
+                  </a:extLst>
+                </a:gridCol>
+              </a:tblGrid>
+              <a:tr h="539894">
+                <a:tc>
+                  <a:txBody>
+                    <a:bodyPr/>
+                    <a:lstStyle/>
+                    <a:p>
+                      <a:pPr marL="0" marR="0" indent="0" algn="ctr" defTabSz="914400" rtl="0" eaLnBrk="1" fontAlgn="auto" latinLnBrk="1" hangingPunct="1">
+                        <a:lnSpc>
+                          <a:spcPct val="100000"/>
+                        </a:lnSpc>
+                        <a:spcBef>
+                          <a:spcPts val="0"/>
+                        </a:spcBef>
+                        <a:spcAft>
+                          <a:spcPts val="0"/>
+                        </a:spcAft>
+                        <a:buClrTx/>
+                        <a:buSzTx/>
+                        <a:buFontTx/>
+                        <a:buNone/>
+                        <a:tabLst/>
+                        <a:defRPr/>
+                      </a:pPr>
+                      <a:r>
+                        <a:rPr lang="ko-KR" altLang="en-US" sz="1600" dirty="0" smtClean="0"/>
+                        <a:t>영상 분류 </a:t>
+                      </a:r>
+                      <a:r>
+                        <a:rPr lang="en-US" altLang="ko-KR" sz="1600" dirty="0" smtClean="0"/>
+                        <a:t>/ </a:t>
+                      </a:r>
+                      <a:r>
+                        <a:rPr lang="ko-KR" altLang="en-US" sz="1600" dirty="0" smtClean="0"/>
+                        <a:t>흥미 곡선</a:t>
+                      </a:r>
+                      <a:endParaRPr lang="ko-KR" altLang="en-US" sz="1600" dirty="0"/>
+                    </a:p>
+                  </a:txBody>
+                  <a:tcPr anchor="ctr"/>
+                </a:tc>
+                <a:tc>
+                  <a:txBody>
+                    <a:bodyPr/>
+                    <a:lstStyle/>
+                    <a:p>
+                      <a:pPr algn="ctr" latinLnBrk="1"/>
+                      <a:r>
+                        <a:rPr lang="en-US" altLang="ko-KR" dirty="0" smtClean="0"/>
+                        <a:t>B</a:t>
+                      </a:r>
+                      <a:endParaRPr lang="ko-KR" altLang="en-US" dirty="0"/>
+                    </a:p>
+                  </a:txBody>
+                  <a:tcPr anchor="ctr"/>
+                </a:tc>
+                <a:tc>
+                  <a:txBody>
+                    <a:bodyPr/>
+                    <a:lstStyle/>
+                    <a:p>
+                      <a:pPr algn="ctr" latinLnBrk="1"/>
+                      <a:r>
+                        <a:rPr lang="en-US" altLang="ko-KR" dirty="0" smtClean="0"/>
+                        <a:t>C</a:t>
+                      </a:r>
+                      <a:endParaRPr lang="ko-KR" altLang="en-US" dirty="0"/>
+                    </a:p>
+                  </a:txBody>
+                  <a:tcPr anchor="ctr"/>
+                </a:tc>
+                <a:tc>
+                  <a:txBody>
+                    <a:bodyPr/>
+                    <a:lstStyle/>
+                    <a:p>
+                      <a:pPr algn="ctr" latinLnBrk="1"/>
+                      <a:r>
+                        <a:rPr lang="en-US" altLang="ko-KR" dirty="0" smtClean="0"/>
+                        <a:t>E</a:t>
+                      </a:r>
+                      <a:endParaRPr lang="ko-KR" altLang="en-US" dirty="0"/>
+                    </a:p>
+                  </a:txBody>
+                  <a:tcPr anchor="ctr"/>
+                </a:tc>
+                <a:tc>
+                  <a:txBody>
+                    <a:bodyPr/>
+                    <a:lstStyle/>
+                    <a:p>
+                      <a:pPr algn="ctr" latinLnBrk="1"/>
+                      <a:r>
+                        <a:rPr lang="en-US" altLang="ko-KR" dirty="0" smtClean="0"/>
+                        <a:t>G</a:t>
+                      </a:r>
+                      <a:endParaRPr lang="ko-KR" altLang="en-US" dirty="0"/>
+                    </a:p>
+                  </a:txBody>
+                  <a:tcPr anchor="ctr"/>
+                </a:tc>
+                <a:extLst>
+                  <a:ext uri="{0D108BD9-81ED-4DB2-BD59-A6C34878D82A}">
+                    <a16:rowId xmlns:a16="http://schemas.microsoft.com/office/drawing/2014/main" val="2667761091"/>
+                  </a:ext>
+                </a:extLst>
+              </a:tr>
+              <a:tr h="539894">
+                <a:tc>
+                  <a:txBody>
+                    <a:bodyPr/>
+                    <a:lstStyle/>
+                    <a:p>
+                      <a:pPr marL="0" marR="0" indent="0" algn="ctr" defTabSz="914400" rtl="0" eaLnBrk="1" fontAlgn="auto" latinLnBrk="1" hangingPunct="1">
+                        <a:lnSpc>
+                          <a:spcPct val="100000"/>
+                        </a:lnSpc>
+                        <a:spcBef>
+                          <a:spcPts val="0"/>
+                        </a:spcBef>
+                        <a:spcAft>
+                          <a:spcPts val="0"/>
+                        </a:spcAft>
+                        <a:buClrTx/>
+                        <a:buSzTx/>
+                        <a:buFontTx/>
+                        <a:buNone/>
+                        <a:tabLst/>
+                        <a:defRPr/>
+                      </a:pPr>
+                      <a:r>
+                        <a:rPr lang="en-US" altLang="ko-KR" sz="1600" dirty="0" smtClean="0"/>
+                        <a:t>20_06_07_</a:t>
+                      </a:r>
+                      <a:r>
+                        <a:rPr lang="ko-KR" altLang="en-US" sz="1600" dirty="0" smtClean="0"/>
+                        <a:t>생존자</a:t>
+                      </a:r>
+                      <a:r>
+                        <a:rPr lang="en-US" altLang="ko-KR" sz="1600" dirty="0" smtClean="0"/>
+                        <a:t>(vs</a:t>
+                      </a:r>
+                      <a:r>
+                        <a:rPr lang="ko-KR" altLang="en-US" sz="1600" dirty="0" smtClean="0"/>
+                        <a:t>오니</a:t>
+                      </a:r>
+                      <a:r>
+                        <a:rPr lang="en-US" altLang="ko-KR" sz="1600" dirty="0" smtClean="0"/>
+                        <a:t>)</a:t>
+                      </a:r>
+                      <a:endParaRPr lang="ko-KR" altLang="en-US" sz="1600" dirty="0"/>
+                    </a:p>
+                  </a:txBody>
+                  <a:tcPr anchor="ctr"/>
+                </a:tc>
+                <a:tc>
+                  <a:txBody>
+                    <a:bodyPr/>
+                    <a:lstStyle/>
+                    <a:p>
+                      <a:pPr algn="ctr" latinLnBrk="1"/>
+                      <a:r>
+                        <a:rPr lang="en-US" altLang="ko-KR" dirty="0" smtClean="0"/>
+                        <a:t>-</a:t>
+                      </a:r>
+                      <a:endParaRPr lang="ko-KR" altLang="en-US" dirty="0"/>
+                    </a:p>
+                  </a:txBody>
+                  <a:tcPr anchor="ctr"/>
+                </a:tc>
+                <a:tc>
+                  <a:txBody>
+                    <a:bodyPr/>
+                    <a:lstStyle/>
+                    <a:p>
+                      <a:pPr algn="ctr" latinLnBrk="1"/>
+                      <a:r>
+                        <a:rPr lang="en-US" altLang="ko-KR" dirty="0" smtClean="0"/>
+                        <a:t>‘E’</a:t>
+                      </a:r>
+                      <a:endParaRPr lang="ko-KR" altLang="en-US" dirty="0"/>
+                    </a:p>
+                  </a:txBody>
+                  <a:tcPr anchor="ctr"/>
+                </a:tc>
+                <a:tc>
+                  <a:txBody>
+                    <a:bodyPr/>
+                    <a:lstStyle/>
+                    <a:p>
+                      <a:pPr algn="ctr" latinLnBrk="1"/>
+                      <a:r>
+                        <a:rPr lang="en-US" altLang="ko-KR" dirty="0" smtClean="0"/>
+                        <a:t>‘C’ – ‘C~S’</a:t>
+                      </a:r>
+                      <a:endParaRPr lang="ko-KR" altLang="en-US" dirty="0"/>
+                    </a:p>
+                  </a:txBody>
+                  <a:tcPr anchor="ctr"/>
+                </a:tc>
+                <a:tc>
+                  <a:txBody>
+                    <a:bodyPr/>
+                    <a:lstStyle/>
+                    <a:p>
+                      <a:pPr algn="ctr" latinLnBrk="1"/>
+                      <a:r>
+                        <a:rPr lang="en-US" altLang="ko-KR" dirty="0" smtClean="0"/>
+                        <a:t>‘E’</a:t>
+                      </a:r>
+                      <a:endParaRPr lang="ko-KR" altLang="en-US" dirty="0"/>
+                    </a:p>
+                  </a:txBody>
+                  <a:tcPr anchor="ctr"/>
+                </a:tc>
+                <a:extLst>
+                  <a:ext uri="{0D108BD9-81ED-4DB2-BD59-A6C34878D82A}">
+                    <a16:rowId xmlns:a16="http://schemas.microsoft.com/office/drawing/2014/main" val="4097989534"/>
+                  </a:ext>
+                </a:extLst>
+              </a:tr>
+              <a:tr h="539894">
+                <a:tc>
+                  <a:txBody>
+                    <a:bodyPr/>
+                    <a:lstStyle/>
+                    <a:p>
+                      <a:pPr marL="0" marR="0" indent="0" algn="ctr" defTabSz="914400" rtl="0" eaLnBrk="1" fontAlgn="auto" latinLnBrk="1" hangingPunct="1">
+                        <a:lnSpc>
+                          <a:spcPct val="100000"/>
+                        </a:lnSpc>
+                        <a:spcBef>
+                          <a:spcPts val="0"/>
+                        </a:spcBef>
+                        <a:spcAft>
+                          <a:spcPts val="0"/>
+                        </a:spcAft>
+                        <a:buClrTx/>
+                        <a:buSzTx/>
+                        <a:buFontTx/>
+                        <a:buNone/>
+                        <a:tabLst/>
+                        <a:defRPr/>
+                      </a:pPr>
+                      <a:r>
+                        <a:rPr lang="en-US" altLang="ko-KR" sz="1600" dirty="0" smtClean="0"/>
+                        <a:t>20_06_11_</a:t>
+                      </a:r>
+                      <a:r>
+                        <a:rPr lang="ko-KR" altLang="en-US" sz="1600" dirty="0" smtClean="0"/>
+                        <a:t>생존자</a:t>
+                      </a:r>
+                      <a:r>
+                        <a:rPr lang="en-US" altLang="ko-KR" sz="1600" dirty="0" smtClean="0"/>
+                        <a:t>(vs</a:t>
+                      </a:r>
+                      <a:r>
+                        <a:rPr lang="ko-KR" altLang="en-US" sz="1600" dirty="0" err="1" smtClean="0"/>
+                        <a:t>헌트리스</a:t>
+                      </a:r>
+                      <a:r>
+                        <a:rPr lang="en-US" altLang="ko-KR" sz="1600" dirty="0" smtClean="0"/>
+                        <a:t>)</a:t>
+                      </a:r>
+                      <a:endParaRPr lang="ko-KR" altLang="en-US" sz="1600" dirty="0"/>
+                    </a:p>
+                  </a:txBody>
+                  <a:tcPr anchor="ctr"/>
+                </a:tc>
+                <a:tc>
+                  <a:txBody>
+                    <a:bodyPr/>
+                    <a:lstStyle/>
+                    <a:p>
+                      <a:pPr algn="ctr" latinLnBrk="1"/>
+                      <a:r>
+                        <a:rPr lang="en-US" altLang="ko-KR" dirty="0" smtClean="0"/>
+                        <a:t>-</a:t>
+                      </a:r>
+                      <a:endParaRPr lang="ko-KR" altLang="en-US" dirty="0"/>
+                    </a:p>
+                  </a:txBody>
+                  <a:tcPr anchor="ctr"/>
+                </a:tc>
+                <a:tc>
+                  <a:txBody>
+                    <a:bodyPr/>
+                    <a:lstStyle/>
+                    <a:p>
+                      <a:pPr algn="ctr" latinLnBrk="1"/>
+                      <a:r>
+                        <a:rPr lang="en-US" altLang="ko-KR" dirty="0" smtClean="0"/>
+                        <a:t>‘C’ – ‘S’</a:t>
+                      </a:r>
+                      <a:endParaRPr lang="ko-KR" altLang="en-US" dirty="0"/>
+                    </a:p>
+                  </a:txBody>
+                  <a:tcPr anchor="ctr"/>
+                </a:tc>
+                <a:tc>
+                  <a:txBody>
+                    <a:bodyPr/>
+                    <a:lstStyle/>
+                    <a:p>
+                      <a:pPr algn="ctr" latinLnBrk="1"/>
+                      <a:r>
+                        <a:rPr lang="en-US" altLang="ko-KR" dirty="0" smtClean="0"/>
+                        <a:t>‘C’ – ‘C’ – ‘C~S’</a:t>
+                      </a:r>
+                      <a:endParaRPr lang="ko-KR" altLang="en-US" dirty="0"/>
+                    </a:p>
+                  </a:txBody>
+                  <a:tcPr anchor="ctr"/>
+                </a:tc>
+                <a:tc>
+                  <a:txBody>
+                    <a:bodyPr/>
+                    <a:lstStyle/>
+                    <a:p>
+                      <a:pPr algn="ctr" latinLnBrk="1"/>
+                      <a:r>
+                        <a:rPr lang="en-US" altLang="ko-KR" dirty="0" smtClean="0"/>
+                        <a:t>‘N’</a:t>
+                      </a:r>
+                      <a:endParaRPr lang="ko-KR" altLang="en-US" dirty="0"/>
+                    </a:p>
+                  </a:txBody>
+                  <a:tcPr anchor="ctr"/>
+                </a:tc>
+                <a:extLst>
+                  <a:ext uri="{0D108BD9-81ED-4DB2-BD59-A6C34878D82A}">
+                    <a16:rowId xmlns:a16="http://schemas.microsoft.com/office/drawing/2014/main" val="3320135725"/>
+                  </a:ext>
+                </a:extLst>
+              </a:tr>
+              <a:tr h="539894">
+                <a:tc>
+                  <a:txBody>
+                    <a:bodyPr/>
+                    <a:lstStyle/>
+                    <a:p>
+                      <a:pPr marL="0" marR="0" indent="0" algn="ctr" defTabSz="914400" rtl="0" eaLnBrk="1" fontAlgn="auto" latinLnBrk="1" hangingPunct="1">
+                        <a:lnSpc>
+                          <a:spcPct val="100000"/>
+                        </a:lnSpc>
+                        <a:spcBef>
+                          <a:spcPts val="0"/>
+                        </a:spcBef>
+                        <a:spcAft>
+                          <a:spcPts val="0"/>
+                        </a:spcAft>
+                        <a:buClrTx/>
+                        <a:buSzTx/>
+                        <a:buFontTx/>
+                        <a:buNone/>
+                        <a:tabLst/>
+                        <a:defRPr/>
+                      </a:pPr>
+                      <a:r>
+                        <a:rPr lang="en-US" altLang="ko-KR" sz="1600" dirty="0" smtClean="0"/>
+                        <a:t>20_06_13_</a:t>
+                      </a:r>
+                      <a:r>
+                        <a:rPr lang="ko-KR" altLang="en-US" sz="1600" dirty="0" smtClean="0"/>
+                        <a:t>생존자</a:t>
+                      </a:r>
+                      <a:r>
+                        <a:rPr lang="en-US" altLang="ko-KR" sz="1600" dirty="0" smtClean="0"/>
+                        <a:t>(vs</a:t>
+                      </a:r>
+                      <a:r>
+                        <a:rPr lang="ko-KR" altLang="en-US" sz="1600" dirty="0" err="1" smtClean="0"/>
+                        <a:t>데모고르곤</a:t>
+                      </a:r>
+                      <a:r>
+                        <a:rPr lang="en-US" altLang="ko-KR" sz="1600" dirty="0" smtClean="0"/>
+                        <a:t>)</a:t>
+                      </a:r>
+                      <a:endParaRPr lang="ko-KR" altLang="en-US" sz="1600" dirty="0" smtClean="0"/>
+                    </a:p>
+                  </a:txBody>
+                  <a:tcPr anchor="ctr"/>
+                </a:tc>
+                <a:tc>
+                  <a:txBody>
+                    <a:bodyPr/>
+                    <a:lstStyle/>
+                    <a:p>
+                      <a:pPr algn="ctr" latinLnBrk="1"/>
+                      <a:r>
+                        <a:rPr lang="en-US" altLang="ko-KR" dirty="0" smtClean="0"/>
+                        <a:t>‘E’</a:t>
+                      </a:r>
+                      <a:endParaRPr lang="ko-KR" altLang="en-US" dirty="0"/>
+                    </a:p>
+                  </a:txBody>
+                  <a:tcPr anchor="ctr"/>
+                </a:tc>
+                <a:tc>
+                  <a:txBody>
+                    <a:bodyPr/>
+                    <a:lstStyle/>
+                    <a:p>
+                      <a:pPr algn="ctr" latinLnBrk="1"/>
+                      <a:r>
+                        <a:rPr lang="en-US" altLang="ko-KR" dirty="0" smtClean="0"/>
+                        <a:t>-</a:t>
+                      </a:r>
+                      <a:endParaRPr lang="ko-KR" altLang="en-US" dirty="0"/>
+                    </a:p>
+                  </a:txBody>
+                  <a:tcPr anchor="ctr"/>
+                </a:tc>
+                <a:tc>
+                  <a:txBody>
+                    <a:bodyPr/>
+                    <a:lstStyle/>
+                    <a:p>
+                      <a:pPr algn="ctr" latinLnBrk="1"/>
+                      <a:r>
+                        <a:rPr lang="en-US" altLang="ko-KR" dirty="0" smtClean="0"/>
+                        <a:t>‘C’ – ‘E’</a:t>
+                      </a:r>
+                      <a:endParaRPr lang="ko-KR" altLang="en-US" dirty="0"/>
+                    </a:p>
+                  </a:txBody>
+                  <a:tcPr anchor="ctr"/>
+                </a:tc>
+                <a:tc>
+                  <a:txBody>
+                    <a:bodyPr/>
+                    <a:lstStyle/>
+                    <a:p>
+                      <a:pPr algn="ctr" latinLnBrk="1"/>
+                      <a:r>
+                        <a:rPr lang="en-US" altLang="ko-KR" dirty="0" smtClean="0"/>
+                        <a:t>‘C’</a:t>
+                      </a:r>
+                      <a:endParaRPr lang="ko-KR" altLang="en-US" dirty="0"/>
+                    </a:p>
+                  </a:txBody>
+                  <a:tcPr anchor="ctr"/>
+                </a:tc>
+                <a:extLst>
+                  <a:ext uri="{0D108BD9-81ED-4DB2-BD59-A6C34878D82A}">
+                    <a16:rowId xmlns:a16="http://schemas.microsoft.com/office/drawing/2014/main" val="3376370474"/>
+                  </a:ext>
+                </a:extLst>
+              </a:tr>
+              <a:tr h="539894">
+                <a:tc>
+                  <a:txBody>
+                    <a:bodyPr/>
+                    <a:lstStyle/>
+                    <a:p>
+                      <a:pPr marL="0" marR="0" indent="0" algn="ctr" defTabSz="914400" rtl="0" eaLnBrk="1" fontAlgn="auto" latinLnBrk="1" hangingPunct="1">
+                        <a:lnSpc>
+                          <a:spcPct val="100000"/>
+                        </a:lnSpc>
+                        <a:spcBef>
+                          <a:spcPts val="0"/>
+                        </a:spcBef>
+                        <a:spcAft>
+                          <a:spcPts val="0"/>
+                        </a:spcAft>
+                        <a:buClrTx/>
+                        <a:buSzTx/>
+                        <a:buFontTx/>
+                        <a:buNone/>
+                        <a:tabLst/>
+                        <a:defRPr/>
+                      </a:pPr>
+                      <a:r>
+                        <a:rPr lang="en-US" altLang="ko-KR" sz="1600" dirty="0" smtClean="0"/>
+                        <a:t>20_06_15_</a:t>
+                      </a:r>
+                      <a:r>
+                        <a:rPr lang="ko-KR" altLang="en-US" sz="1600" dirty="0" smtClean="0"/>
+                        <a:t>생존자</a:t>
+                      </a:r>
+                      <a:r>
+                        <a:rPr lang="en-US" altLang="ko-KR" sz="1600" dirty="0" smtClean="0"/>
+                        <a:t>(vs</a:t>
+                      </a:r>
+                      <a:r>
+                        <a:rPr lang="ko-KR" altLang="en-US" sz="1600" dirty="0" err="1" smtClean="0"/>
+                        <a:t>클라운</a:t>
+                      </a:r>
+                      <a:r>
+                        <a:rPr lang="en-US" altLang="ko-KR" sz="1600" dirty="0" smtClean="0"/>
+                        <a:t>)</a:t>
+                      </a:r>
+                      <a:endParaRPr lang="ko-KR" altLang="en-US" sz="1600" dirty="0"/>
+                    </a:p>
+                  </a:txBody>
+                  <a:tcPr anchor="ctr"/>
+                </a:tc>
+                <a:tc>
+                  <a:txBody>
+                    <a:bodyPr/>
+                    <a:lstStyle/>
+                    <a:p>
+                      <a:pPr algn="ctr" latinLnBrk="1"/>
+                      <a:r>
+                        <a:rPr lang="en-US" altLang="ko-KR" dirty="0" smtClean="0"/>
+                        <a:t>-</a:t>
+                      </a:r>
+                      <a:endParaRPr lang="ko-KR" altLang="en-US" dirty="0"/>
+                    </a:p>
+                  </a:txBody>
+                  <a:tcPr anchor="ctr"/>
+                </a:tc>
+                <a:tc>
+                  <a:txBody>
+                    <a:bodyPr/>
+                    <a:lstStyle/>
+                    <a:p>
+                      <a:pPr algn="ctr" latinLnBrk="1"/>
+                      <a:r>
+                        <a:rPr lang="en-US" altLang="ko-KR" dirty="0" smtClean="0"/>
+                        <a:t>‘C’ –</a:t>
+                      </a:r>
+                      <a:r>
+                        <a:rPr lang="en-US" altLang="ko-KR" baseline="0" dirty="0" smtClean="0"/>
+                        <a:t> ‘S’</a:t>
+                      </a:r>
+                      <a:endParaRPr lang="ko-KR" altLang="en-US" dirty="0"/>
+                    </a:p>
+                  </a:txBody>
+                  <a:tcPr anchor="ctr"/>
+                </a:tc>
+                <a:tc>
+                  <a:txBody>
+                    <a:bodyPr/>
+                    <a:lstStyle/>
+                    <a:p>
+                      <a:pPr algn="ctr" latinLnBrk="1"/>
+                      <a:r>
+                        <a:rPr lang="en-US" altLang="ko-KR" dirty="0" smtClean="0"/>
+                        <a:t>-</a:t>
+                      </a:r>
+                      <a:endParaRPr lang="ko-KR" altLang="en-US" dirty="0"/>
+                    </a:p>
+                  </a:txBody>
+                  <a:tcPr anchor="ctr"/>
+                </a:tc>
+                <a:tc>
+                  <a:txBody>
+                    <a:bodyPr/>
+                    <a:lstStyle/>
+                    <a:p>
+                      <a:pPr algn="ctr" latinLnBrk="1"/>
+                      <a:r>
+                        <a:rPr lang="en-US" altLang="ko-KR" dirty="0" smtClean="0"/>
+                        <a:t>-</a:t>
+                      </a:r>
+                      <a:endParaRPr lang="ko-KR" altLang="en-US" dirty="0"/>
+                    </a:p>
+                  </a:txBody>
+                  <a:tcPr anchor="ctr"/>
+                </a:tc>
+                <a:extLst>
+                  <a:ext uri="{0D108BD9-81ED-4DB2-BD59-A6C34878D82A}">
+                    <a16:rowId xmlns:a16="http://schemas.microsoft.com/office/drawing/2014/main" val="221698778"/>
+                  </a:ext>
+                </a:extLst>
+              </a:tr>
+              <a:tr h="539894">
+                <a:tc>
+                  <a:txBody>
+                    <a:bodyPr/>
+                    <a:lstStyle/>
+                    <a:p>
+                      <a:pPr marL="0" marR="0" indent="0" algn="ctr" defTabSz="914400" rtl="0" eaLnBrk="1" fontAlgn="auto" latinLnBrk="1" hangingPunct="1">
+                        <a:lnSpc>
+                          <a:spcPct val="100000"/>
+                        </a:lnSpc>
+                        <a:spcBef>
+                          <a:spcPts val="0"/>
+                        </a:spcBef>
+                        <a:spcAft>
+                          <a:spcPts val="0"/>
+                        </a:spcAft>
+                        <a:buClrTx/>
+                        <a:buSzTx/>
+                        <a:buFontTx/>
+                        <a:buNone/>
+                        <a:tabLst/>
+                        <a:defRPr/>
+                      </a:pPr>
+                      <a:r>
+                        <a:rPr lang="en-US" altLang="ko-KR" sz="1600" dirty="0" smtClean="0"/>
+                        <a:t>20_06_17_</a:t>
+                      </a:r>
+                      <a:r>
+                        <a:rPr lang="ko-KR" altLang="en-US" sz="1600" dirty="0" smtClean="0"/>
+                        <a:t>생존자</a:t>
+                      </a:r>
+                      <a:r>
+                        <a:rPr lang="en-US" altLang="ko-KR" sz="1600" dirty="0" smtClean="0"/>
+                        <a:t>(vs</a:t>
+                      </a:r>
+                      <a:r>
+                        <a:rPr lang="ko-KR" altLang="en-US" sz="1600" dirty="0" smtClean="0"/>
+                        <a:t>역병</a:t>
+                      </a:r>
+                      <a:r>
+                        <a:rPr lang="en-US" altLang="ko-KR" sz="1600" dirty="0" smtClean="0"/>
+                        <a:t>)</a:t>
+                      </a:r>
+                      <a:endParaRPr lang="ko-KR" altLang="en-US" sz="1600" dirty="0" smtClean="0"/>
+                    </a:p>
+                  </a:txBody>
+                  <a:tcPr anchor="ctr"/>
+                </a:tc>
+                <a:tc>
+                  <a:txBody>
+                    <a:bodyPr/>
+                    <a:lstStyle/>
+                    <a:p>
+                      <a:pPr algn="ctr" latinLnBrk="1"/>
+                      <a:r>
+                        <a:rPr lang="en-US" altLang="ko-KR" dirty="0" smtClean="0"/>
+                        <a:t>-</a:t>
+                      </a:r>
+                      <a:endParaRPr lang="ko-KR" altLang="en-US" dirty="0"/>
+                    </a:p>
+                  </a:txBody>
+                  <a:tcPr anchor="ctr"/>
+                </a:tc>
+                <a:tc>
+                  <a:txBody>
+                    <a:bodyPr/>
+                    <a:lstStyle/>
+                    <a:p>
+                      <a:pPr algn="ctr" latinLnBrk="1"/>
+                      <a:r>
+                        <a:rPr lang="en-US" altLang="ko-KR" dirty="0" smtClean="0"/>
+                        <a:t>‘C’</a:t>
+                      </a:r>
+                      <a:endParaRPr lang="ko-KR" altLang="en-US" dirty="0"/>
+                    </a:p>
+                  </a:txBody>
+                  <a:tcPr anchor="ctr"/>
+                </a:tc>
+                <a:tc>
+                  <a:txBody>
+                    <a:bodyPr/>
+                    <a:lstStyle/>
+                    <a:p>
+                      <a:pPr algn="ctr" latinLnBrk="1"/>
+                      <a:r>
+                        <a:rPr lang="en-US" altLang="ko-KR" dirty="0" smtClean="0"/>
+                        <a:t>‘E’ – ‘C’ – ‘C’</a:t>
+                      </a:r>
+                      <a:endParaRPr lang="ko-KR" altLang="en-US" dirty="0"/>
+                    </a:p>
+                  </a:txBody>
+                  <a:tcPr anchor="ctr"/>
+                </a:tc>
+                <a:tc>
+                  <a:txBody>
+                    <a:bodyPr/>
+                    <a:lstStyle/>
+                    <a:p>
+                      <a:pPr algn="ctr" latinLnBrk="1"/>
+                      <a:r>
+                        <a:rPr lang="en-US" altLang="ko-KR" dirty="0" smtClean="0"/>
+                        <a:t>‘C’</a:t>
+                      </a:r>
+                      <a:endParaRPr lang="ko-KR" altLang="en-US" dirty="0"/>
+                    </a:p>
+                  </a:txBody>
+                  <a:tcPr anchor="ctr"/>
+                </a:tc>
+                <a:extLst>
+                  <a:ext uri="{0D108BD9-81ED-4DB2-BD59-A6C34878D82A}">
+                    <a16:rowId xmlns:a16="http://schemas.microsoft.com/office/drawing/2014/main" val="3783569364"/>
+                  </a:ext>
+                </a:extLst>
+              </a:tr>
+              <a:tr h="539894">
+                <a:tc>
+                  <a:txBody>
+                    <a:bodyPr/>
+                    <a:lstStyle/>
+                    <a:p>
+                      <a:pPr marL="0" marR="0" indent="0" algn="ctr" defTabSz="914400" rtl="0" eaLnBrk="1" fontAlgn="auto" latinLnBrk="1" hangingPunct="1">
+                        <a:lnSpc>
+                          <a:spcPct val="100000"/>
+                        </a:lnSpc>
+                        <a:spcBef>
+                          <a:spcPts val="0"/>
+                        </a:spcBef>
+                        <a:spcAft>
+                          <a:spcPts val="0"/>
+                        </a:spcAft>
+                        <a:buClrTx/>
+                        <a:buSzTx/>
+                        <a:buFontTx/>
+                        <a:buNone/>
+                        <a:tabLst/>
+                        <a:defRPr/>
+                      </a:pPr>
+                      <a:r>
+                        <a:rPr lang="en-US" altLang="ko-KR" sz="1600" dirty="0" smtClean="0"/>
+                        <a:t>20_06_20_</a:t>
+                      </a:r>
+                      <a:r>
+                        <a:rPr lang="ko-KR" altLang="en-US" sz="1600" dirty="0" smtClean="0"/>
+                        <a:t>생존자</a:t>
+                      </a:r>
+                      <a:r>
+                        <a:rPr lang="en-US" altLang="ko-KR" sz="1600" dirty="0" smtClean="0"/>
+                        <a:t>(vs</a:t>
+                      </a:r>
+                      <a:r>
+                        <a:rPr lang="ko-KR" altLang="en-US" sz="1600" dirty="0" smtClean="0"/>
+                        <a:t>카니발</a:t>
+                      </a:r>
+                      <a:r>
+                        <a:rPr lang="en-US" altLang="ko-KR" sz="1600" dirty="0" smtClean="0"/>
+                        <a:t>)</a:t>
+                      </a:r>
+                      <a:endParaRPr lang="ko-KR" altLang="en-US" sz="1600" dirty="0" smtClean="0"/>
+                    </a:p>
+                  </a:txBody>
+                  <a:tcPr anchor="ctr"/>
+                </a:tc>
+                <a:tc>
+                  <a:txBody>
+                    <a:bodyPr/>
+                    <a:lstStyle/>
+                    <a:p>
+                      <a:pPr algn="ctr" latinLnBrk="1"/>
+                      <a:r>
+                        <a:rPr lang="en-US" altLang="ko-KR" dirty="0" smtClean="0"/>
+                        <a:t>-</a:t>
+                      </a:r>
+                      <a:endParaRPr lang="ko-KR" altLang="en-US" dirty="0"/>
+                    </a:p>
+                  </a:txBody>
+                  <a:tcPr anchor="ctr"/>
+                </a:tc>
+                <a:tc>
+                  <a:txBody>
+                    <a:bodyPr/>
+                    <a:lstStyle/>
+                    <a:p>
+                      <a:pPr algn="ctr" latinLnBrk="1"/>
+                      <a:r>
+                        <a:rPr lang="en-US" altLang="ko-KR" dirty="0" smtClean="0"/>
+                        <a:t>‘C’ – ‘E’ – ‘C/E’</a:t>
+                      </a:r>
+                      <a:endParaRPr lang="ko-KR" altLang="en-US" dirty="0"/>
+                    </a:p>
+                  </a:txBody>
+                  <a:tcPr anchor="ctr"/>
+                </a:tc>
+                <a:tc>
+                  <a:txBody>
+                    <a:bodyPr/>
+                    <a:lstStyle/>
+                    <a:p>
+                      <a:pPr algn="ctr" latinLnBrk="1"/>
+                      <a:r>
+                        <a:rPr lang="en-US" altLang="ko-KR" dirty="0" smtClean="0"/>
+                        <a:t>‘C/E’</a:t>
+                      </a:r>
+                      <a:endParaRPr lang="ko-KR" altLang="en-US" dirty="0"/>
+                    </a:p>
+                  </a:txBody>
+                  <a:tcPr anchor="ctr"/>
+                </a:tc>
+                <a:tc>
+                  <a:txBody>
+                    <a:bodyPr/>
+                    <a:lstStyle/>
+                    <a:p>
+                      <a:pPr marL="0" marR="0" indent="0" algn="ctr" defTabSz="914400" rtl="0" eaLnBrk="1" fontAlgn="auto" latinLnBrk="1" hangingPunct="1">
+                        <a:lnSpc>
+                          <a:spcPct val="100000"/>
+                        </a:lnSpc>
+                        <a:spcBef>
+                          <a:spcPts val="0"/>
+                        </a:spcBef>
+                        <a:spcAft>
+                          <a:spcPts val="0"/>
+                        </a:spcAft>
+                        <a:buClrTx/>
+                        <a:buSzTx/>
+                        <a:buFontTx/>
+                        <a:buNone/>
+                        <a:tabLst/>
+                        <a:defRPr/>
+                      </a:pPr>
+                      <a:r>
+                        <a:rPr lang="en-US" altLang="ko-KR" dirty="0" smtClean="0"/>
+                        <a:t>‘C/E’ – ‘C/E’</a:t>
+                      </a:r>
+                      <a:endParaRPr lang="ko-KR" altLang="en-US" dirty="0" smtClean="0"/>
+                    </a:p>
+                  </a:txBody>
+                  <a:tcPr anchor="ctr"/>
+                </a:tc>
+                <a:extLst>
+                  <a:ext uri="{0D108BD9-81ED-4DB2-BD59-A6C34878D82A}">
+                    <a16:rowId xmlns:a16="http://schemas.microsoft.com/office/drawing/2014/main" val="415417113"/>
+                  </a:ext>
+                </a:extLst>
+              </a:tr>
+              <a:tr h="539894">
+                <a:tc>
+                  <a:txBody>
+                    <a:bodyPr/>
+                    <a:lstStyle/>
+                    <a:p>
+                      <a:pPr marL="0" marR="0" indent="0" algn="ctr" defTabSz="914400" rtl="0" eaLnBrk="1" fontAlgn="auto" latinLnBrk="1" hangingPunct="1">
+                        <a:lnSpc>
+                          <a:spcPct val="100000"/>
+                        </a:lnSpc>
+                        <a:spcBef>
+                          <a:spcPts val="0"/>
+                        </a:spcBef>
+                        <a:spcAft>
+                          <a:spcPts val="0"/>
+                        </a:spcAft>
+                        <a:buClrTx/>
+                        <a:buSzTx/>
+                        <a:buFontTx/>
+                        <a:buNone/>
+                        <a:tabLst/>
+                        <a:defRPr/>
+                      </a:pPr>
+                      <a:r>
+                        <a:rPr lang="en-US" altLang="ko-KR" sz="1600" dirty="0" smtClean="0"/>
+                        <a:t>20_06_25_</a:t>
+                      </a:r>
+                      <a:r>
+                        <a:rPr lang="ko-KR" altLang="en-US" sz="1600" dirty="0" smtClean="0"/>
+                        <a:t>생존자</a:t>
+                      </a:r>
+                      <a:r>
+                        <a:rPr lang="en-US" altLang="ko-KR" sz="1600" dirty="0" smtClean="0"/>
+                        <a:t>(vs</a:t>
+                      </a:r>
+                      <a:r>
+                        <a:rPr lang="ko-KR" altLang="en-US" sz="1600" dirty="0" err="1" smtClean="0"/>
+                        <a:t>힐빌리</a:t>
+                      </a:r>
+                      <a:r>
+                        <a:rPr lang="en-US" altLang="ko-KR" sz="1600" dirty="0" smtClean="0"/>
+                        <a:t>)</a:t>
+                      </a:r>
+                      <a:endParaRPr lang="ko-KR" altLang="en-US" sz="1600" dirty="0" smtClean="0"/>
+                    </a:p>
+                  </a:txBody>
+                  <a:tcPr anchor="ctr"/>
+                </a:tc>
+                <a:tc>
+                  <a:txBody>
+                    <a:bodyPr/>
+                    <a:lstStyle/>
+                    <a:p>
+                      <a:pPr algn="ctr" latinLnBrk="1"/>
+                      <a:r>
+                        <a:rPr lang="en-US" altLang="ko-KR" dirty="0" smtClean="0"/>
+                        <a:t>-</a:t>
+                      </a:r>
+                      <a:endParaRPr lang="ko-KR" altLang="en-US" dirty="0"/>
+                    </a:p>
+                  </a:txBody>
+                  <a:tcPr anchor="ctr"/>
+                </a:tc>
+                <a:tc>
+                  <a:txBody>
+                    <a:bodyPr/>
+                    <a:lstStyle/>
+                    <a:p>
+                      <a:pPr algn="ctr" latinLnBrk="1"/>
+                      <a:r>
+                        <a:rPr lang="en-US" altLang="ko-KR" dirty="0" smtClean="0"/>
+                        <a:t>‘S’ – ‘C’</a:t>
+                      </a:r>
+                      <a:endParaRPr lang="ko-KR" altLang="en-US" dirty="0"/>
+                    </a:p>
+                  </a:txBody>
+                  <a:tcPr anchor="ctr"/>
+                </a:tc>
+                <a:tc>
+                  <a:txBody>
+                    <a:bodyPr/>
+                    <a:lstStyle/>
+                    <a:p>
+                      <a:pPr algn="ctr" latinLnBrk="1"/>
+                      <a:r>
+                        <a:rPr lang="en-US" altLang="ko-KR" dirty="0" smtClean="0"/>
+                        <a:t>‘E’ – ‘E’ – ‘C~S’</a:t>
+                      </a:r>
+                      <a:endParaRPr lang="ko-KR" altLang="en-US" dirty="0"/>
+                    </a:p>
+                  </a:txBody>
+                  <a:tcPr anchor="ctr"/>
+                </a:tc>
+                <a:tc>
+                  <a:txBody>
+                    <a:bodyPr/>
+                    <a:lstStyle/>
+                    <a:p>
+                      <a:pPr algn="ctr" latinLnBrk="1"/>
+                      <a:r>
+                        <a:rPr lang="en-US" altLang="ko-KR" dirty="0" smtClean="0"/>
+                        <a:t>‘E’</a:t>
+                      </a:r>
+                      <a:endParaRPr lang="ko-KR" altLang="en-US" dirty="0"/>
+                    </a:p>
+                  </a:txBody>
+                  <a:tcPr anchor="ctr"/>
+                </a:tc>
+                <a:extLst>
+                  <a:ext uri="{0D108BD9-81ED-4DB2-BD59-A6C34878D82A}">
+                    <a16:rowId xmlns:a16="http://schemas.microsoft.com/office/drawing/2014/main" val="1535704633"/>
+                  </a:ext>
+                </a:extLst>
+              </a:tr>
+              <a:tr h="539894">
+                <a:tc>
+                  <a:txBody>
+                    <a:bodyPr/>
+                    <a:lstStyle/>
+                    <a:p>
+                      <a:pPr marL="0" marR="0" indent="0" algn="ctr" defTabSz="914400" rtl="0" eaLnBrk="1" fontAlgn="auto" latinLnBrk="1" hangingPunct="1">
+                        <a:lnSpc>
+                          <a:spcPct val="100000"/>
+                        </a:lnSpc>
+                        <a:spcBef>
+                          <a:spcPts val="0"/>
+                        </a:spcBef>
+                        <a:spcAft>
+                          <a:spcPts val="0"/>
+                        </a:spcAft>
+                        <a:buClrTx/>
+                        <a:buSzTx/>
+                        <a:buFontTx/>
+                        <a:buNone/>
+                        <a:tabLst/>
+                        <a:defRPr/>
+                      </a:pPr>
+                      <a:r>
+                        <a:rPr lang="en-US" altLang="ko-KR" sz="1600" dirty="0" smtClean="0"/>
+                        <a:t>20_06_27_</a:t>
+                      </a:r>
+                      <a:r>
+                        <a:rPr lang="ko-KR" altLang="en-US" sz="1600" dirty="0" smtClean="0"/>
+                        <a:t>생존자</a:t>
+                      </a:r>
+                      <a:r>
+                        <a:rPr lang="en-US" altLang="ko-KR" sz="1600" dirty="0" smtClean="0"/>
+                        <a:t>(vs</a:t>
+                      </a:r>
+                      <a:r>
+                        <a:rPr lang="ko-KR" altLang="en-US" sz="1600" dirty="0" err="1" smtClean="0"/>
+                        <a:t>데모고르곤</a:t>
+                      </a:r>
+                      <a:r>
+                        <a:rPr lang="en-US" altLang="ko-KR" sz="1600" dirty="0" smtClean="0"/>
+                        <a:t>)</a:t>
+                      </a:r>
+                      <a:endParaRPr lang="ko-KR" altLang="en-US" sz="1600" dirty="0" smtClean="0"/>
+                    </a:p>
+                  </a:txBody>
+                  <a:tcPr anchor="ctr"/>
+                </a:tc>
+                <a:tc>
+                  <a:txBody>
+                    <a:bodyPr/>
+                    <a:lstStyle/>
+                    <a:p>
+                      <a:pPr algn="ctr" latinLnBrk="1"/>
+                      <a:r>
+                        <a:rPr lang="en-US" altLang="ko-KR" dirty="0" smtClean="0"/>
+                        <a:t>-</a:t>
+                      </a:r>
+                      <a:endParaRPr lang="ko-KR" altLang="en-US" dirty="0"/>
+                    </a:p>
+                  </a:txBody>
+                  <a:tcPr anchor="ctr"/>
+                </a:tc>
+                <a:tc>
+                  <a:txBody>
+                    <a:bodyPr/>
+                    <a:lstStyle/>
+                    <a:p>
+                      <a:pPr algn="ctr" latinLnBrk="1"/>
+                      <a:r>
+                        <a:rPr lang="en-US" altLang="ko-KR" dirty="0" smtClean="0"/>
+                        <a:t>‘S’</a:t>
+                      </a:r>
+                      <a:endParaRPr lang="ko-KR" altLang="en-US" dirty="0"/>
+                    </a:p>
+                  </a:txBody>
+                  <a:tcPr anchor="ctr"/>
+                </a:tc>
+                <a:tc>
+                  <a:txBody>
+                    <a:bodyPr/>
+                    <a:lstStyle/>
+                    <a:p>
+                      <a:pPr algn="ctr" latinLnBrk="1"/>
+                      <a:r>
+                        <a:rPr lang="en-US" altLang="ko-KR" dirty="0" smtClean="0"/>
+                        <a:t>‘C/S’</a:t>
+                      </a:r>
+                      <a:endParaRPr lang="ko-KR" altLang="en-US" dirty="0"/>
+                    </a:p>
+                  </a:txBody>
+                  <a:tcPr anchor="ctr"/>
+                </a:tc>
+                <a:tc>
+                  <a:txBody>
+                    <a:bodyPr/>
+                    <a:lstStyle/>
+                    <a:p>
+                      <a:pPr algn="ctr" latinLnBrk="1"/>
+                      <a:r>
+                        <a:rPr lang="en-US" altLang="ko-KR" dirty="0" smtClean="0"/>
+                        <a:t>‘E’</a:t>
+                      </a:r>
+                      <a:endParaRPr lang="ko-KR" altLang="en-US" dirty="0"/>
+                    </a:p>
+                  </a:txBody>
+                  <a:tcPr anchor="ctr"/>
+                </a:tc>
+                <a:extLst>
+                  <a:ext uri="{0D108BD9-81ED-4DB2-BD59-A6C34878D82A}">
+                    <a16:rowId xmlns:a16="http://schemas.microsoft.com/office/drawing/2014/main" val="4252308432"/>
+                  </a:ext>
+                </a:extLst>
+              </a:tr>
+              <a:tr h="539894">
+                <a:tc>
+                  <a:txBody>
+                    <a:bodyPr/>
+                    <a:lstStyle/>
+                    <a:p>
+                      <a:pPr marL="0" marR="0" indent="0" algn="ctr" defTabSz="914400" rtl="0" eaLnBrk="1" fontAlgn="auto" latinLnBrk="1" hangingPunct="1">
+                        <a:lnSpc>
+                          <a:spcPct val="100000"/>
+                        </a:lnSpc>
+                        <a:spcBef>
+                          <a:spcPts val="0"/>
+                        </a:spcBef>
+                        <a:spcAft>
+                          <a:spcPts val="0"/>
+                        </a:spcAft>
+                        <a:buClrTx/>
+                        <a:buSzTx/>
+                        <a:buFontTx/>
+                        <a:buNone/>
+                        <a:tabLst/>
+                        <a:defRPr/>
+                      </a:pPr>
+                      <a:r>
+                        <a:rPr lang="en-US" altLang="ko-KR" sz="1600" dirty="0" smtClean="0"/>
+                        <a:t>20_06_29_</a:t>
+                      </a:r>
+                      <a:r>
+                        <a:rPr lang="ko-KR" altLang="en-US" sz="1600" dirty="0" smtClean="0"/>
+                        <a:t>생존자</a:t>
+                      </a:r>
+                      <a:r>
+                        <a:rPr lang="en-US" altLang="ko-KR" sz="1600" dirty="0" smtClean="0"/>
+                        <a:t>(vs</a:t>
+                      </a:r>
+                      <a:r>
+                        <a:rPr lang="ko-KR" altLang="en-US" sz="1600" dirty="0" err="1" smtClean="0"/>
+                        <a:t>너스</a:t>
+                      </a:r>
+                      <a:r>
+                        <a:rPr lang="en-US" altLang="ko-KR" sz="1600" dirty="0" smtClean="0"/>
+                        <a:t>)</a:t>
+                      </a:r>
+                      <a:endParaRPr lang="ko-KR" altLang="en-US" sz="1600" dirty="0" smtClean="0"/>
+                    </a:p>
+                  </a:txBody>
+                  <a:tcPr anchor="ctr"/>
+                </a:tc>
+                <a:tc>
+                  <a:txBody>
+                    <a:bodyPr/>
+                    <a:lstStyle/>
+                    <a:p>
+                      <a:pPr algn="ctr" latinLnBrk="1"/>
+                      <a:r>
+                        <a:rPr lang="en-US" altLang="ko-KR" dirty="0" smtClean="0"/>
+                        <a:t>-</a:t>
+                      </a:r>
+                      <a:endParaRPr lang="ko-KR" altLang="en-US" dirty="0"/>
+                    </a:p>
+                  </a:txBody>
+                  <a:tcPr anchor="ctr"/>
+                </a:tc>
+                <a:tc>
+                  <a:txBody>
+                    <a:bodyPr/>
+                    <a:lstStyle/>
+                    <a:p>
+                      <a:pPr algn="ctr" latinLnBrk="1"/>
+                      <a:r>
+                        <a:rPr lang="en-US" altLang="ko-KR" dirty="0" smtClean="0"/>
+                        <a:t>‘C’ – ‘C’</a:t>
+                      </a:r>
+                      <a:endParaRPr lang="ko-KR" altLang="en-US" dirty="0"/>
+                    </a:p>
+                  </a:txBody>
+                  <a:tcPr anchor="ctr"/>
+                </a:tc>
+                <a:tc>
+                  <a:txBody>
+                    <a:bodyPr/>
+                    <a:lstStyle/>
+                    <a:p>
+                      <a:pPr algn="ctr" latinLnBrk="1"/>
+                      <a:r>
+                        <a:rPr lang="en-US" altLang="ko-KR" dirty="0" smtClean="0"/>
+                        <a:t>‘C’ – ‘S’</a:t>
+                      </a:r>
+                      <a:endParaRPr lang="ko-KR" altLang="en-US" dirty="0"/>
+                    </a:p>
+                  </a:txBody>
+                  <a:tcPr anchor="ctr"/>
+                </a:tc>
+                <a:tc>
+                  <a:txBody>
+                    <a:bodyPr/>
+                    <a:lstStyle/>
+                    <a:p>
+                      <a:pPr algn="ctr" latinLnBrk="1"/>
+                      <a:r>
+                        <a:rPr lang="en-US" altLang="ko-KR" dirty="0" smtClean="0"/>
+                        <a:t>‘S’</a:t>
+                      </a:r>
+                      <a:endParaRPr lang="ko-KR" altLang="en-US" dirty="0"/>
+                    </a:p>
+                  </a:txBody>
+                  <a:tcPr anchor="ctr"/>
+                </a:tc>
+                <a:extLst>
+                  <a:ext uri="{0D108BD9-81ED-4DB2-BD59-A6C34878D82A}">
+                    <a16:rowId xmlns:a16="http://schemas.microsoft.com/office/drawing/2014/main" val="2444973342"/>
+                  </a:ext>
+                </a:extLst>
+              </a:tr>
+              <a:tr h="539894">
+                <a:tc>
+                  <a:txBody>
+                    <a:bodyPr/>
+                    <a:lstStyle/>
+                    <a:p>
+                      <a:pPr marL="0" marR="0" indent="0" algn="ctr" defTabSz="914400" rtl="0" eaLnBrk="1" fontAlgn="auto" latinLnBrk="1" hangingPunct="1">
+                        <a:lnSpc>
+                          <a:spcPct val="100000"/>
+                        </a:lnSpc>
+                        <a:spcBef>
+                          <a:spcPts val="0"/>
+                        </a:spcBef>
+                        <a:spcAft>
+                          <a:spcPts val="0"/>
+                        </a:spcAft>
+                        <a:buClrTx/>
+                        <a:buSzTx/>
+                        <a:buFontTx/>
+                        <a:buNone/>
+                        <a:tabLst/>
+                        <a:defRPr/>
+                      </a:pPr>
+                      <a:r>
+                        <a:rPr lang="en-US" altLang="ko-KR" sz="1600" dirty="0" smtClean="0"/>
+                        <a:t>20_07_02_</a:t>
+                      </a:r>
+                      <a:r>
+                        <a:rPr lang="ko-KR" altLang="en-US" sz="1600" dirty="0" smtClean="0"/>
+                        <a:t>생존자</a:t>
+                      </a:r>
+                      <a:r>
+                        <a:rPr lang="en-US" altLang="ko-KR" sz="1600" dirty="0" smtClean="0"/>
+                        <a:t>(vs</a:t>
+                      </a:r>
+                      <a:r>
+                        <a:rPr lang="ko-KR" altLang="en-US" sz="1600" dirty="0" smtClean="0"/>
+                        <a:t>닥터</a:t>
+                      </a:r>
+                      <a:r>
+                        <a:rPr lang="en-US" altLang="ko-KR" sz="1600" dirty="0" smtClean="0"/>
+                        <a:t>)</a:t>
+                      </a:r>
+                      <a:endParaRPr lang="ko-KR" altLang="en-US" sz="1600" dirty="0" smtClean="0"/>
+                    </a:p>
+                  </a:txBody>
+                  <a:tcPr anchor="ctr"/>
+                </a:tc>
+                <a:tc>
+                  <a:txBody>
+                    <a:bodyPr/>
+                    <a:lstStyle/>
+                    <a:p>
+                      <a:pPr algn="ctr" latinLnBrk="1"/>
+                      <a:r>
+                        <a:rPr lang="en-US" altLang="ko-KR" dirty="0" smtClean="0"/>
+                        <a:t>-</a:t>
+                      </a:r>
+                      <a:endParaRPr lang="ko-KR" altLang="en-US" dirty="0"/>
+                    </a:p>
+                  </a:txBody>
+                  <a:tcPr anchor="ctr"/>
+                </a:tc>
+                <a:tc>
+                  <a:txBody>
+                    <a:bodyPr/>
+                    <a:lstStyle/>
+                    <a:p>
+                      <a:pPr algn="ctr" latinLnBrk="1"/>
+                      <a:r>
+                        <a:rPr lang="en-US" altLang="ko-KR" dirty="0" smtClean="0"/>
+                        <a:t>‘S’</a:t>
+                      </a:r>
+                      <a:r>
+                        <a:rPr lang="en-US" altLang="ko-KR" baseline="0" dirty="0" smtClean="0"/>
+                        <a:t> – ‘S’</a:t>
+                      </a:r>
+                      <a:endParaRPr lang="ko-KR" altLang="en-US" dirty="0"/>
+                    </a:p>
+                  </a:txBody>
+                  <a:tcPr anchor="ctr"/>
+                </a:tc>
+                <a:tc>
+                  <a:txBody>
+                    <a:bodyPr/>
+                    <a:lstStyle/>
+                    <a:p>
+                      <a:pPr algn="ctr" latinLnBrk="1"/>
+                      <a:r>
+                        <a:rPr lang="en-US" altLang="ko-KR" dirty="0" smtClean="0"/>
+                        <a:t>‘N’</a:t>
+                      </a:r>
+                      <a:endParaRPr lang="ko-KR" altLang="en-US" dirty="0"/>
+                    </a:p>
+                  </a:txBody>
+                  <a:tcPr anchor="ctr"/>
+                </a:tc>
+                <a:tc>
+                  <a:txBody>
+                    <a:bodyPr/>
+                    <a:lstStyle/>
+                    <a:p>
+                      <a:pPr algn="ctr" latinLnBrk="1"/>
+                      <a:r>
+                        <a:rPr lang="en-US" altLang="ko-KR" dirty="0" smtClean="0"/>
+                        <a:t>‘C’</a:t>
+                      </a:r>
+                      <a:endParaRPr lang="ko-KR" altLang="en-US" dirty="0"/>
+                    </a:p>
+                  </a:txBody>
+                  <a:tcPr anchor="ctr"/>
+                </a:tc>
+                <a:extLst>
+                  <a:ext uri="{0D108BD9-81ED-4DB2-BD59-A6C34878D82A}">
+                    <a16:rowId xmlns:a16="http://schemas.microsoft.com/office/drawing/2014/main" val="61922031"/>
+                  </a:ext>
+                </a:extLst>
+              </a:tr>
+            </a:tbl>
+          </a:graphicData>
+        </a:graphic>
+      </p:graphicFrame>
+    </p:spTree>
+    <p:extLst>
+      <p:ext uri="{BB962C8B-B14F-4D97-AF65-F5344CB8AC3E}">
+        <p14:creationId xmlns:p14="http://schemas.microsoft.com/office/powerpoint/2010/main" val="2552034955"/>
+      </p:ext>
+    </p:extLst>
+  </p:cSld>
+  <p:clrMapOvr>
+    <a:masterClrMapping/>
+  </p:clrMapOvr>
+  <p:timing>
+    <p:tnLst>
+      <p:par>
+        <p:cTn id="1" dur="indefinite" restart="never" nodeType="tmRoot"/>
+      </p:par>
+    </p:tnLst>
+  </p:timing>
+</p:sld>
+</file>
+
+<file path=ppt/slides/slide13.xml><?xml version="1.0" encoding="utf-8"?>
 <p:sld xmlns:a="http://schemas.openxmlformats.org/drawingml/2006/main" xmlns:r="http://schemas.openxmlformats.org/officeDocument/2006/relationships" xmlns:p="http://schemas.openxmlformats.org/presentationml/2006/main">
   <p:cSld>
     <p:spTree>

--- a/DBD 분석/맵 분석/3. 콜드윈드 농장(★)/3. 썩은 들판(★)/영상분석자료/탄착군 분석/탄착군_종합분석.pptx
+++ b/DBD 분석/맵 분석/3. 콜드윈드 농장(★)/3. 썩은 들판(★)/영상분석자료/탄착군 분석/탄착군_종합분석.pptx
@@ -18860,7 +18860,7 @@
           <a:p>
             <a:fld id="{92FB9B8E-7460-4A65-8DD1-5001397F6CD0}" type="datetimeFigureOut">
               <a:rPr lang="ko-KR" altLang="en-US" smtClean="0"/>
-              <a:t>2020-07-12</a:t>
+              <a:t>2020-07-16</a:t>
             </a:fld>
             <a:endParaRPr lang="ko-KR" altLang="en-US"/>
           </a:p>
@@ -20351,7 +20351,7 @@
           <a:p>
             <a:fld id="{F86301F8-5A19-4D53-B525-D052BC8201C6}" type="datetimeFigureOut">
               <a:rPr lang="ko-KR" altLang="en-US" smtClean="0"/>
-              <a:t>2020-07-12</a:t>
+              <a:t>2020-07-16</a:t>
             </a:fld>
             <a:endParaRPr lang="ko-KR" altLang="en-US"/>
           </a:p>
@@ -20521,7 +20521,7 @@
           <a:p>
             <a:fld id="{F86301F8-5A19-4D53-B525-D052BC8201C6}" type="datetimeFigureOut">
               <a:rPr lang="ko-KR" altLang="en-US" smtClean="0"/>
-              <a:t>2020-07-12</a:t>
+              <a:t>2020-07-16</a:t>
             </a:fld>
             <a:endParaRPr lang="ko-KR" altLang="en-US"/>
           </a:p>
@@ -20701,7 +20701,7 @@
           <a:p>
             <a:fld id="{F86301F8-5A19-4D53-B525-D052BC8201C6}" type="datetimeFigureOut">
               <a:rPr lang="ko-KR" altLang="en-US" smtClean="0"/>
-              <a:t>2020-07-12</a:t>
+              <a:t>2020-07-16</a:t>
             </a:fld>
             <a:endParaRPr lang="ko-KR" altLang="en-US"/>
           </a:p>
@@ -20871,7 +20871,7 @@
           <a:p>
             <a:fld id="{F86301F8-5A19-4D53-B525-D052BC8201C6}" type="datetimeFigureOut">
               <a:rPr lang="ko-KR" altLang="en-US" smtClean="0"/>
-              <a:t>2020-07-12</a:t>
+              <a:t>2020-07-16</a:t>
             </a:fld>
             <a:endParaRPr lang="ko-KR" altLang="en-US"/>
           </a:p>
@@ -21117,7 +21117,7 @@
           <a:p>
             <a:fld id="{F86301F8-5A19-4D53-B525-D052BC8201C6}" type="datetimeFigureOut">
               <a:rPr lang="ko-KR" altLang="en-US" smtClean="0"/>
-              <a:t>2020-07-12</a:t>
+              <a:t>2020-07-16</a:t>
             </a:fld>
             <a:endParaRPr lang="ko-KR" altLang="en-US"/>
           </a:p>
@@ -21349,7 +21349,7 @@
           <a:p>
             <a:fld id="{F86301F8-5A19-4D53-B525-D052BC8201C6}" type="datetimeFigureOut">
               <a:rPr lang="ko-KR" altLang="en-US" smtClean="0"/>
-              <a:t>2020-07-12</a:t>
+              <a:t>2020-07-16</a:t>
             </a:fld>
             <a:endParaRPr lang="ko-KR" altLang="en-US"/>
           </a:p>
@@ -21716,7 +21716,7 @@
           <a:p>
             <a:fld id="{F86301F8-5A19-4D53-B525-D052BC8201C6}" type="datetimeFigureOut">
               <a:rPr lang="ko-KR" altLang="en-US" smtClean="0"/>
-              <a:t>2020-07-12</a:t>
+              <a:t>2020-07-16</a:t>
             </a:fld>
             <a:endParaRPr lang="ko-KR" altLang="en-US"/>
           </a:p>
@@ -21834,7 +21834,7 @@
           <a:p>
             <a:fld id="{F86301F8-5A19-4D53-B525-D052BC8201C6}" type="datetimeFigureOut">
               <a:rPr lang="ko-KR" altLang="en-US" smtClean="0"/>
-              <a:t>2020-07-12</a:t>
+              <a:t>2020-07-16</a:t>
             </a:fld>
             <a:endParaRPr lang="ko-KR" altLang="en-US"/>
           </a:p>
@@ -21929,7 +21929,7 @@
           <a:p>
             <a:fld id="{F86301F8-5A19-4D53-B525-D052BC8201C6}" type="datetimeFigureOut">
               <a:rPr lang="ko-KR" altLang="en-US" smtClean="0"/>
-              <a:t>2020-07-12</a:t>
+              <a:t>2020-07-16</a:t>
             </a:fld>
             <a:endParaRPr lang="ko-KR" altLang="en-US"/>
           </a:p>
@@ -22206,7 +22206,7 @@
           <a:p>
             <a:fld id="{F86301F8-5A19-4D53-B525-D052BC8201C6}" type="datetimeFigureOut">
               <a:rPr lang="ko-KR" altLang="en-US" smtClean="0"/>
-              <a:t>2020-07-12</a:t>
+              <a:t>2020-07-16</a:t>
             </a:fld>
             <a:endParaRPr lang="ko-KR" altLang="en-US"/>
           </a:p>
@@ -22459,7 +22459,7 @@
           <a:p>
             <a:fld id="{F86301F8-5A19-4D53-B525-D052BC8201C6}" type="datetimeFigureOut">
               <a:rPr lang="ko-KR" altLang="en-US" smtClean="0"/>
-              <a:t>2020-07-12</a:t>
+              <a:t>2020-07-16</a:t>
             </a:fld>
             <a:endParaRPr lang="ko-KR" altLang="en-US"/>
           </a:p>
@@ -22672,7 +22672,7 @@
           <a:p>
             <a:fld id="{F86301F8-5A19-4D53-B525-D052BC8201C6}" type="datetimeFigureOut">
               <a:rPr lang="ko-KR" altLang="en-US" smtClean="0"/>
-              <a:t>2020-07-12</a:t>
+              <a:t>2020-07-16</a:t>
             </a:fld>
             <a:endParaRPr lang="ko-KR" altLang="en-US"/>
           </a:p>
@@ -23354,6 +23354,149 @@
           </a:fontRef>
         </p:style>
       </p:cxnSp>
+      <p:sp>
+        <p:nvSpPr>
+          <p:cNvPr id="10" name="타원 9"/>
+          <p:cNvSpPr/>
+          <p:nvPr/>
+        </p:nvSpPr>
+        <p:spPr>
+          <a:xfrm>
+            <a:off x="11082330" y="191193"/>
+            <a:ext cx="573578" cy="573578"/>
+          </a:xfrm>
+          <a:prstGeom prst="ellipse">
+            <a:avLst/>
+          </a:prstGeom>
+          <a:solidFill>
+            <a:schemeClr val="accent4"/>
+          </a:solidFill>
+          <a:ln>
+            <a:solidFill>
+              <a:schemeClr val="tx1"/>
+            </a:solidFill>
+          </a:ln>
+        </p:spPr>
+        <p:style>
+          <a:lnRef idx="2">
+            <a:schemeClr val="accent1">
+              <a:shade val="50000"/>
+            </a:schemeClr>
+          </a:lnRef>
+          <a:fillRef idx="1">
+            <a:schemeClr val="accent1"/>
+          </a:fillRef>
+          <a:effectRef idx="0">
+            <a:schemeClr val="accent1"/>
+          </a:effectRef>
+          <a:fontRef idx="minor">
+            <a:schemeClr val="lt1"/>
+          </a:fontRef>
+        </p:style>
+        <p:txBody>
+          <a:bodyPr rtlCol="0" anchor="ctr"/>
+          <a:lstStyle/>
+          <a:p>
+            <a:pPr algn="ctr"/>
+            <a:r>
+              <a:rPr lang="en-US" altLang="ko-KR" b="1" dirty="0" smtClean="0"/>
+              <a:t>C</a:t>
+            </a:r>
+            <a:endParaRPr lang="ko-KR" altLang="en-US" b="1" dirty="0"/>
+          </a:p>
+        </p:txBody>
+      </p:sp>
+      <p:sp>
+        <p:nvSpPr>
+          <p:cNvPr id="11" name="타원 10"/>
+          <p:cNvSpPr/>
+          <p:nvPr/>
+        </p:nvSpPr>
+        <p:spPr>
+          <a:xfrm>
+            <a:off x="10188951" y="191193"/>
+            <a:ext cx="573578" cy="573578"/>
+          </a:xfrm>
+          <a:prstGeom prst="ellipse">
+            <a:avLst/>
+          </a:prstGeom>
+          <a:solidFill>
+            <a:srgbClr val="00B050"/>
+          </a:solidFill>
+          <a:ln>
+            <a:solidFill>
+              <a:schemeClr val="tx1"/>
+            </a:solidFill>
+          </a:ln>
+        </p:spPr>
+        <p:style>
+          <a:lnRef idx="2">
+            <a:schemeClr val="accent1">
+              <a:shade val="50000"/>
+            </a:schemeClr>
+          </a:lnRef>
+          <a:fillRef idx="1">
+            <a:schemeClr val="accent1"/>
+          </a:fillRef>
+          <a:effectRef idx="0">
+            <a:schemeClr val="accent1"/>
+          </a:effectRef>
+          <a:fontRef idx="minor">
+            <a:schemeClr val="lt1"/>
+          </a:fontRef>
+        </p:style>
+        <p:txBody>
+          <a:bodyPr rtlCol="0" anchor="ctr"/>
+          <a:lstStyle/>
+          <a:p>
+            <a:pPr algn="ctr"/>
+            <a:r>
+              <a:rPr lang="en-US" altLang="ko-KR" b="1" dirty="0" smtClean="0"/>
+              <a:t>E</a:t>
+            </a:r>
+            <a:endParaRPr lang="ko-KR" altLang="en-US" b="1" dirty="0"/>
+          </a:p>
+        </p:txBody>
+      </p:sp>
+      <p:sp>
+        <p:nvSpPr>
+          <p:cNvPr id="3" name="TextBox 2"/>
+          <p:cNvSpPr txBox="1"/>
+          <p:nvPr/>
+        </p:nvSpPr>
+        <p:spPr>
+          <a:xfrm>
+            <a:off x="59442" y="137506"/>
+            <a:ext cx="1797927" cy="307777"/>
+          </a:xfrm>
+          <a:prstGeom prst="rect">
+            <a:avLst/>
+          </a:prstGeom>
+          <a:noFill/>
+        </p:spPr>
+        <p:txBody>
+          <a:bodyPr wrap="square" rtlCol="0">
+            <a:spAutoFit/>
+          </a:bodyPr>
+          <a:lstStyle/>
+          <a:p>
+            <a:pPr algn="ctr"/>
+            <a:r>
+              <a:rPr lang="ko-KR" altLang="en-US" sz="1400" dirty="0" smtClean="0"/>
+              <a:t>조회수 </a:t>
+            </a:r>
+            <a:r>
+              <a:rPr lang="en-US" altLang="ko-KR" sz="1400" dirty="0" smtClean="0"/>
+              <a:t>: 86,144 </a:t>
+            </a:r>
+            <a:r>
+              <a:rPr lang="ko-KR" altLang="en-US" sz="1400" dirty="0" smtClean="0"/>
+              <a:t>회</a:t>
+            </a:r>
+            <a:endParaRPr lang="ko-KR" altLang="en-US" sz="1400" dirty="0"/>
+          </a:p>
+        </p:txBody>
+      </p:sp>
     </p:spTree>
     <p:extLst>
       <p:ext uri="{BB962C8B-B14F-4D97-AF65-F5344CB8AC3E}">
@@ -23585,6 +23728,253 @@
           </a:p>
         </p:txBody>
       </p:sp>
+      <p:sp>
+        <p:nvSpPr>
+          <p:cNvPr id="8" name="타원 7"/>
+          <p:cNvSpPr/>
+          <p:nvPr/>
+        </p:nvSpPr>
+        <p:spPr>
+          <a:xfrm>
+            <a:off x="10188951" y="191193"/>
+            <a:ext cx="573578" cy="573578"/>
+          </a:xfrm>
+          <a:prstGeom prst="ellipse">
+            <a:avLst/>
+          </a:prstGeom>
+          <a:solidFill>
+            <a:schemeClr val="accent4"/>
+          </a:solidFill>
+          <a:ln>
+            <a:solidFill>
+              <a:schemeClr val="tx1"/>
+            </a:solidFill>
+          </a:ln>
+        </p:spPr>
+        <p:style>
+          <a:lnRef idx="2">
+            <a:schemeClr val="accent1">
+              <a:shade val="50000"/>
+            </a:schemeClr>
+          </a:lnRef>
+          <a:fillRef idx="1">
+            <a:schemeClr val="accent1"/>
+          </a:fillRef>
+          <a:effectRef idx="0">
+            <a:schemeClr val="accent1"/>
+          </a:effectRef>
+          <a:fontRef idx="minor">
+            <a:schemeClr val="lt1"/>
+          </a:fontRef>
+        </p:style>
+        <p:txBody>
+          <a:bodyPr rtlCol="0" anchor="ctr"/>
+          <a:lstStyle/>
+          <a:p>
+            <a:pPr algn="ctr"/>
+            <a:r>
+              <a:rPr lang="en-US" altLang="ko-KR" b="1" dirty="0" smtClean="0"/>
+              <a:t>C</a:t>
+            </a:r>
+            <a:endParaRPr lang="ko-KR" altLang="en-US" b="1" dirty="0"/>
+          </a:p>
+        </p:txBody>
+      </p:sp>
+      <p:sp>
+        <p:nvSpPr>
+          <p:cNvPr id="9" name="타원 8"/>
+          <p:cNvSpPr/>
+          <p:nvPr/>
+        </p:nvSpPr>
+        <p:spPr>
+          <a:xfrm>
+            <a:off x="11082330" y="191193"/>
+            <a:ext cx="573578" cy="573578"/>
+          </a:xfrm>
+          <a:prstGeom prst="ellipse">
+            <a:avLst/>
+          </a:prstGeom>
+          <a:solidFill>
+            <a:srgbClr val="C00000"/>
+          </a:solidFill>
+          <a:ln>
+            <a:solidFill>
+              <a:schemeClr val="tx1"/>
+            </a:solidFill>
+          </a:ln>
+        </p:spPr>
+        <p:style>
+          <a:lnRef idx="2">
+            <a:schemeClr val="accent1">
+              <a:shade val="50000"/>
+            </a:schemeClr>
+          </a:lnRef>
+          <a:fillRef idx="1">
+            <a:schemeClr val="accent1"/>
+          </a:fillRef>
+          <a:effectRef idx="0">
+            <a:schemeClr val="accent1"/>
+          </a:effectRef>
+          <a:fontRef idx="minor">
+            <a:schemeClr val="lt1"/>
+          </a:fontRef>
+        </p:style>
+        <p:txBody>
+          <a:bodyPr rtlCol="0" anchor="ctr"/>
+          <a:lstStyle/>
+          <a:p>
+            <a:pPr algn="ctr"/>
+            <a:r>
+              <a:rPr lang="en-US" altLang="ko-KR" b="1" dirty="0" smtClean="0"/>
+              <a:t>S</a:t>
+            </a:r>
+            <a:endParaRPr lang="ko-KR" altLang="en-US" b="1" dirty="0"/>
+          </a:p>
+        </p:txBody>
+      </p:sp>
+      <p:sp>
+        <p:nvSpPr>
+          <p:cNvPr id="10" name="타원 9"/>
+          <p:cNvSpPr/>
+          <p:nvPr/>
+        </p:nvSpPr>
+        <p:spPr>
+          <a:xfrm>
+            <a:off x="10188951" y="191193"/>
+            <a:ext cx="573578" cy="573578"/>
+          </a:xfrm>
+          <a:prstGeom prst="ellipse">
+            <a:avLst/>
+          </a:prstGeom>
+          <a:solidFill>
+            <a:srgbClr val="C00000"/>
+          </a:solidFill>
+          <a:ln>
+            <a:solidFill>
+              <a:schemeClr val="tx1"/>
+            </a:solidFill>
+          </a:ln>
+        </p:spPr>
+        <p:style>
+          <a:lnRef idx="2">
+            <a:schemeClr val="accent1">
+              <a:shade val="50000"/>
+            </a:schemeClr>
+          </a:lnRef>
+          <a:fillRef idx="1">
+            <a:schemeClr val="accent1"/>
+          </a:fillRef>
+          <a:effectRef idx="0">
+            <a:schemeClr val="accent1"/>
+          </a:effectRef>
+          <a:fontRef idx="minor">
+            <a:schemeClr val="lt1"/>
+          </a:fontRef>
+        </p:style>
+        <p:txBody>
+          <a:bodyPr rtlCol="0" anchor="ctr"/>
+          <a:lstStyle/>
+          <a:p>
+            <a:pPr algn="ctr"/>
+            <a:r>
+              <a:rPr lang="en-US" altLang="ko-KR" b="1" dirty="0" smtClean="0"/>
+              <a:t>S</a:t>
+            </a:r>
+            <a:endParaRPr lang="ko-KR" altLang="en-US" b="1" dirty="0"/>
+          </a:p>
+        </p:txBody>
+      </p:sp>
+      <p:sp>
+        <p:nvSpPr>
+          <p:cNvPr id="11" name="타원 10"/>
+          <p:cNvSpPr/>
+          <p:nvPr/>
+        </p:nvSpPr>
+        <p:spPr>
+          <a:xfrm>
+            <a:off x="11082330" y="191193"/>
+            <a:ext cx="573578" cy="573578"/>
+          </a:xfrm>
+          <a:prstGeom prst="ellipse">
+            <a:avLst/>
+          </a:prstGeom>
+          <a:solidFill>
+            <a:schemeClr val="accent4"/>
+          </a:solidFill>
+          <a:ln>
+            <a:solidFill>
+              <a:schemeClr val="tx1"/>
+            </a:solidFill>
+          </a:ln>
+        </p:spPr>
+        <p:style>
+          <a:lnRef idx="2">
+            <a:schemeClr val="accent1">
+              <a:shade val="50000"/>
+            </a:schemeClr>
+          </a:lnRef>
+          <a:fillRef idx="1">
+            <a:schemeClr val="accent1"/>
+          </a:fillRef>
+          <a:effectRef idx="0">
+            <a:schemeClr val="accent1"/>
+          </a:effectRef>
+          <a:fontRef idx="minor">
+            <a:schemeClr val="lt1"/>
+          </a:fontRef>
+        </p:style>
+        <p:txBody>
+          <a:bodyPr rtlCol="0" anchor="ctr"/>
+          <a:lstStyle/>
+          <a:p>
+            <a:pPr algn="ctr"/>
+            <a:r>
+              <a:rPr lang="en-US" altLang="ko-KR" b="1" dirty="0" smtClean="0"/>
+              <a:t>C</a:t>
+            </a:r>
+            <a:endParaRPr lang="ko-KR" altLang="en-US" b="1" dirty="0"/>
+          </a:p>
+        </p:txBody>
+      </p:sp>
+      <p:sp>
+        <p:nvSpPr>
+          <p:cNvPr id="12" name="TextBox 11"/>
+          <p:cNvSpPr txBox="1"/>
+          <p:nvPr/>
+        </p:nvSpPr>
+        <p:spPr>
+          <a:xfrm>
+            <a:off x="59442" y="137506"/>
+            <a:ext cx="1797927" cy="307777"/>
+          </a:xfrm>
+          <a:prstGeom prst="rect">
+            <a:avLst/>
+          </a:prstGeom>
+          <a:noFill/>
+        </p:spPr>
+        <p:txBody>
+          <a:bodyPr wrap="square" rtlCol="0">
+            <a:spAutoFit/>
+          </a:bodyPr>
+          <a:lstStyle/>
+          <a:p>
+            <a:pPr algn="ctr"/>
+            <a:r>
+              <a:rPr lang="ko-KR" altLang="en-US" sz="1400" dirty="0" smtClean="0"/>
+              <a:t>조회수 </a:t>
+            </a:r>
+            <a:r>
+              <a:rPr lang="en-US" altLang="ko-KR" sz="1400" dirty="0" smtClean="0"/>
+              <a:t>: 68,228 </a:t>
+            </a:r>
+            <a:r>
+              <a:rPr lang="ko-KR" altLang="en-US" sz="1400" dirty="0" smtClean="0"/>
+              <a:t>회</a:t>
+            </a:r>
+            <a:endParaRPr lang="ko-KR" altLang="en-US" sz="1400" dirty="0"/>
+          </a:p>
+        </p:txBody>
+      </p:sp>
     </p:spTree>
     <p:extLst>
       <p:ext uri="{BB962C8B-B14F-4D97-AF65-F5344CB8AC3E}">
@@ -23726,11 +24116,7 @@
                       </a:r>
                       <a:r>
                         <a:rPr lang="ko-KR" altLang="en-US" sz="1600" baseline="0" dirty="0" smtClean="0"/>
-                        <a:t> </a:t>
-                      </a:r>
-                      <a:r>
-                        <a:rPr lang="ko-KR" altLang="en-US" sz="1600" baseline="0" dirty="0" smtClean="0"/>
-                        <a:t>분류 </a:t>
+                        <a:t> 분류 </a:t>
                       </a:r>
                       <a:r>
                         <a:rPr lang="en-US" altLang="ko-KR" sz="1600" baseline="0" dirty="0" smtClean="0"/>
@@ -27696,6 +28082,211 @@
           </a:p>
         </p:txBody>
       </p:sp>
+      <p:sp>
+        <p:nvSpPr>
+          <p:cNvPr id="5" name="타원 4"/>
+          <p:cNvSpPr/>
+          <p:nvPr/>
+        </p:nvSpPr>
+        <p:spPr>
+          <a:xfrm>
+            <a:off x="11046911" y="2944904"/>
+            <a:ext cx="573578" cy="573578"/>
+          </a:xfrm>
+          <a:prstGeom prst="ellipse">
+            <a:avLst/>
+          </a:prstGeom>
+          <a:solidFill>
+            <a:schemeClr val="accent4"/>
+          </a:solidFill>
+          <a:ln>
+            <a:solidFill>
+              <a:schemeClr val="tx1"/>
+            </a:solidFill>
+          </a:ln>
+        </p:spPr>
+        <p:style>
+          <a:lnRef idx="2">
+            <a:schemeClr val="accent1">
+              <a:shade val="50000"/>
+            </a:schemeClr>
+          </a:lnRef>
+          <a:fillRef idx="1">
+            <a:schemeClr val="accent1"/>
+          </a:fillRef>
+          <a:effectRef idx="0">
+            <a:schemeClr val="accent1"/>
+          </a:effectRef>
+          <a:fontRef idx="minor">
+            <a:schemeClr val="lt1"/>
+          </a:fontRef>
+        </p:style>
+        <p:txBody>
+          <a:bodyPr rtlCol="0" anchor="ctr"/>
+          <a:lstStyle/>
+          <a:p>
+            <a:pPr algn="ctr"/>
+            <a:r>
+              <a:rPr lang="en-US" altLang="ko-KR" b="1" dirty="0" smtClean="0"/>
+              <a:t>C</a:t>
+            </a:r>
+            <a:endParaRPr lang="ko-KR" altLang="en-US" b="1" dirty="0"/>
+          </a:p>
+        </p:txBody>
+      </p:sp>
+      <p:sp>
+        <p:nvSpPr>
+          <p:cNvPr id="6" name="타원 5"/>
+          <p:cNvSpPr/>
+          <p:nvPr/>
+        </p:nvSpPr>
+        <p:spPr>
+          <a:xfrm>
+            <a:off x="10153532" y="2944904"/>
+            <a:ext cx="573578" cy="573578"/>
+          </a:xfrm>
+          <a:prstGeom prst="ellipse">
+            <a:avLst/>
+          </a:prstGeom>
+          <a:solidFill>
+            <a:srgbClr val="00B050"/>
+          </a:solidFill>
+          <a:ln>
+            <a:solidFill>
+              <a:schemeClr val="tx1"/>
+            </a:solidFill>
+          </a:ln>
+        </p:spPr>
+        <p:style>
+          <a:lnRef idx="2">
+            <a:schemeClr val="accent1">
+              <a:shade val="50000"/>
+            </a:schemeClr>
+          </a:lnRef>
+          <a:fillRef idx="1">
+            <a:schemeClr val="accent1"/>
+          </a:fillRef>
+          <a:effectRef idx="0">
+            <a:schemeClr val="accent1"/>
+          </a:effectRef>
+          <a:fontRef idx="minor">
+            <a:schemeClr val="lt1"/>
+          </a:fontRef>
+        </p:style>
+        <p:txBody>
+          <a:bodyPr rtlCol="0" anchor="ctr"/>
+          <a:lstStyle/>
+          <a:p>
+            <a:pPr algn="ctr"/>
+            <a:r>
+              <a:rPr lang="en-US" altLang="ko-KR" b="1" dirty="0" smtClean="0"/>
+              <a:t>E</a:t>
+            </a:r>
+            <a:endParaRPr lang="ko-KR" altLang="en-US" b="1" dirty="0"/>
+          </a:p>
+        </p:txBody>
+      </p:sp>
+      <p:sp>
+        <p:nvSpPr>
+          <p:cNvPr id="7" name="타원 6"/>
+          <p:cNvSpPr/>
+          <p:nvPr/>
+        </p:nvSpPr>
+        <p:spPr>
+          <a:xfrm>
+            <a:off x="8366774" y="2944904"/>
+            <a:ext cx="573578" cy="573578"/>
+          </a:xfrm>
+          <a:prstGeom prst="ellipse">
+            <a:avLst/>
+          </a:prstGeom>
+          <a:ln>
+            <a:solidFill>
+              <a:schemeClr val="tx1"/>
+            </a:solidFill>
+          </a:ln>
+        </p:spPr>
+        <p:style>
+          <a:lnRef idx="2">
+            <a:schemeClr val="accent1">
+              <a:shade val="50000"/>
+            </a:schemeClr>
+          </a:lnRef>
+          <a:fillRef idx="1">
+            <a:schemeClr val="accent1"/>
+          </a:fillRef>
+          <a:effectRef idx="0">
+            <a:schemeClr val="accent1"/>
+          </a:effectRef>
+          <a:fontRef idx="minor">
+            <a:schemeClr val="lt1"/>
+          </a:fontRef>
+        </p:style>
+        <p:txBody>
+          <a:bodyPr rtlCol="0" anchor="ctr"/>
+          <a:lstStyle/>
+          <a:p>
+            <a:pPr algn="ctr"/>
+            <a:r>
+              <a:rPr lang="en-US" altLang="ko-KR" b="1" dirty="0" smtClean="0"/>
+              <a:t>N</a:t>
+            </a:r>
+            <a:endParaRPr lang="ko-KR" altLang="en-US" b="1" dirty="0"/>
+          </a:p>
+        </p:txBody>
+      </p:sp>
+      <p:sp>
+        <p:nvSpPr>
+          <p:cNvPr id="8" name="타원 7"/>
+          <p:cNvSpPr/>
+          <p:nvPr/>
+        </p:nvSpPr>
+        <p:spPr>
+          <a:xfrm>
+            <a:off x="9260153" y="2944904"/>
+            <a:ext cx="573578" cy="573578"/>
+          </a:xfrm>
+          <a:prstGeom prst="ellipse">
+            <a:avLst/>
+          </a:prstGeom>
+          <a:solidFill>
+            <a:srgbClr val="C00000"/>
+          </a:solidFill>
+          <a:ln>
+            <a:solidFill>
+              <a:schemeClr val="tx1"/>
+            </a:solidFill>
+          </a:ln>
+        </p:spPr>
+        <p:style>
+          <a:lnRef idx="2">
+            <a:schemeClr val="accent1">
+              <a:shade val="50000"/>
+            </a:schemeClr>
+          </a:lnRef>
+          <a:fillRef idx="1">
+            <a:schemeClr val="accent1"/>
+          </a:fillRef>
+          <a:effectRef idx="0">
+            <a:schemeClr val="accent1"/>
+          </a:effectRef>
+          <a:fontRef idx="minor">
+            <a:schemeClr val="lt1"/>
+          </a:fontRef>
+        </p:style>
+        <p:txBody>
+          <a:bodyPr rtlCol="0" anchor="ctr"/>
+          <a:lstStyle/>
+          <a:p>
+            <a:pPr algn="ctr"/>
+            <a:r>
+              <a:rPr lang="en-US" altLang="ko-KR" b="1" dirty="0" smtClean="0"/>
+              <a:t>S</a:t>
+            </a:r>
+            <a:endParaRPr lang="ko-KR" altLang="en-US" b="1" dirty="0"/>
+          </a:p>
+        </p:txBody>
+      </p:sp>
     </p:spTree>
     <p:extLst>
       <p:ext uri="{BB962C8B-B14F-4D97-AF65-F5344CB8AC3E}">
@@ -28010,6 +28601,97 @@
           </a:fontRef>
         </p:style>
       </p:cxnSp>
+      <p:sp>
+        <p:nvSpPr>
+          <p:cNvPr id="10" name="타원 9"/>
+          <p:cNvSpPr/>
+          <p:nvPr/>
+        </p:nvSpPr>
+        <p:spPr>
+          <a:xfrm>
+            <a:off x="11082330" y="191193"/>
+            <a:ext cx="573578" cy="573578"/>
+          </a:xfrm>
+          <a:prstGeom prst="ellipse">
+            <a:avLst/>
+          </a:prstGeom>
+          <a:solidFill>
+            <a:schemeClr val="accent4"/>
+          </a:solidFill>
+          <a:ln>
+            <a:solidFill>
+              <a:schemeClr val="tx1"/>
+            </a:solidFill>
+          </a:ln>
+        </p:spPr>
+        <p:style>
+          <a:lnRef idx="2">
+            <a:schemeClr val="accent1">
+              <a:shade val="50000"/>
+            </a:schemeClr>
+          </a:lnRef>
+          <a:fillRef idx="1">
+            <a:schemeClr val="accent1"/>
+          </a:fillRef>
+          <a:effectRef idx="0">
+            <a:schemeClr val="accent1"/>
+          </a:effectRef>
+          <a:fontRef idx="minor">
+            <a:schemeClr val="lt1"/>
+          </a:fontRef>
+        </p:style>
+        <p:txBody>
+          <a:bodyPr rtlCol="0" anchor="ctr"/>
+          <a:lstStyle/>
+          <a:p>
+            <a:pPr algn="ctr"/>
+            <a:r>
+              <a:rPr lang="en-US" altLang="ko-KR" b="1" dirty="0" smtClean="0"/>
+              <a:t>C</a:t>
+            </a:r>
+            <a:endParaRPr lang="ko-KR" altLang="en-US" b="1" dirty="0"/>
+          </a:p>
+        </p:txBody>
+      </p:sp>
+      <p:sp>
+        <p:nvSpPr>
+          <p:cNvPr id="11" name="TextBox 10"/>
+          <p:cNvSpPr txBox="1"/>
+          <p:nvPr/>
+        </p:nvSpPr>
+        <p:spPr>
+          <a:xfrm>
+            <a:off x="59442" y="137506"/>
+            <a:ext cx="1797927" cy="307777"/>
+          </a:xfrm>
+          <a:prstGeom prst="rect">
+            <a:avLst/>
+          </a:prstGeom>
+          <a:noFill/>
+        </p:spPr>
+        <p:txBody>
+          <a:bodyPr wrap="square" rtlCol="0">
+            <a:spAutoFit/>
+          </a:bodyPr>
+          <a:lstStyle/>
+          <a:p>
+            <a:pPr algn="ctr"/>
+            <a:r>
+              <a:rPr lang="ko-KR" altLang="en-US" sz="1400" dirty="0" smtClean="0"/>
+              <a:t>조회수 </a:t>
+            </a:r>
+            <a:r>
+              <a:rPr lang="en-US" altLang="ko-KR" sz="1400" dirty="0" smtClean="0"/>
+              <a:t>: 78,144 </a:t>
+            </a:r>
+            <a:r>
+              <a:rPr lang="ko-KR" altLang="en-US" sz="1400" dirty="0" smtClean="0"/>
+              <a:t>회</a:t>
+            </a:r>
+            <a:endParaRPr lang="ko-KR" altLang="en-US" sz="1400" dirty="0"/>
+          </a:p>
+        </p:txBody>
+      </p:sp>
     </p:spTree>
     <p:extLst>
       <p:ext uri="{BB962C8B-B14F-4D97-AF65-F5344CB8AC3E}">
@@ -28236,6 +28918,97 @@
             <a:r>
               <a:rPr lang="en-US" altLang="ko-KR" sz="1400" dirty="0" smtClean="0"/>
               <a:t>None</a:t>
+            </a:r>
+            <a:endParaRPr lang="ko-KR" altLang="en-US" sz="1400" dirty="0"/>
+          </a:p>
+        </p:txBody>
+      </p:sp>
+      <p:sp>
+        <p:nvSpPr>
+          <p:cNvPr id="8" name="타원 7"/>
+          <p:cNvSpPr/>
+          <p:nvPr/>
+        </p:nvSpPr>
+        <p:spPr>
+          <a:xfrm>
+            <a:off x="11082330" y="191192"/>
+            <a:ext cx="573578" cy="573578"/>
+          </a:xfrm>
+          <a:prstGeom prst="ellipse">
+            <a:avLst/>
+          </a:prstGeom>
+          <a:solidFill>
+            <a:srgbClr val="00B050"/>
+          </a:solidFill>
+          <a:ln>
+            <a:solidFill>
+              <a:schemeClr val="tx1"/>
+            </a:solidFill>
+          </a:ln>
+        </p:spPr>
+        <p:style>
+          <a:lnRef idx="2">
+            <a:schemeClr val="accent1">
+              <a:shade val="50000"/>
+            </a:schemeClr>
+          </a:lnRef>
+          <a:fillRef idx="1">
+            <a:schemeClr val="accent1"/>
+          </a:fillRef>
+          <a:effectRef idx="0">
+            <a:schemeClr val="accent1"/>
+          </a:effectRef>
+          <a:fontRef idx="minor">
+            <a:schemeClr val="lt1"/>
+          </a:fontRef>
+        </p:style>
+        <p:txBody>
+          <a:bodyPr rtlCol="0" anchor="ctr"/>
+          <a:lstStyle/>
+          <a:p>
+            <a:pPr algn="ctr"/>
+            <a:r>
+              <a:rPr lang="en-US" altLang="ko-KR" b="1" dirty="0" smtClean="0"/>
+              <a:t>E</a:t>
+            </a:r>
+            <a:endParaRPr lang="ko-KR" altLang="en-US" b="1" dirty="0"/>
+          </a:p>
+        </p:txBody>
+      </p:sp>
+      <p:sp>
+        <p:nvSpPr>
+          <p:cNvPr id="9" name="TextBox 8"/>
+          <p:cNvSpPr txBox="1"/>
+          <p:nvPr/>
+        </p:nvSpPr>
+        <p:spPr>
+          <a:xfrm>
+            <a:off x="59442" y="137506"/>
+            <a:ext cx="1797927" cy="307777"/>
+          </a:xfrm>
+          <a:prstGeom prst="rect">
+            <a:avLst/>
+          </a:prstGeom>
+          <a:noFill/>
+        </p:spPr>
+        <p:txBody>
+          <a:bodyPr wrap="square" rtlCol="0">
+            <a:spAutoFit/>
+          </a:bodyPr>
+          <a:lstStyle/>
+          <a:p>
+            <a:pPr algn="ctr"/>
+            <a:r>
+              <a:rPr lang="ko-KR" altLang="en-US" sz="1400" dirty="0" smtClean="0"/>
+              <a:t>조회수 </a:t>
+            </a:r>
+            <a:r>
+              <a:rPr lang="en-US" altLang="ko-KR" sz="1400" dirty="0" smtClean="0"/>
+              <a:t>: 78,790 </a:t>
+            </a:r>
+            <a:r>
+              <a:rPr lang="ko-KR" altLang="en-US" sz="1400" dirty="0" smtClean="0"/>
+              <a:t>회</a:t>
             </a:r>
             <a:endParaRPr lang="ko-KR" altLang="en-US" sz="1400" dirty="0"/>
           </a:p>
@@ -28472,6 +29245,97 @@
           </a:p>
         </p:txBody>
       </p:sp>
+      <p:sp>
+        <p:nvSpPr>
+          <p:cNvPr id="8" name="타원 7"/>
+          <p:cNvSpPr/>
+          <p:nvPr/>
+        </p:nvSpPr>
+        <p:spPr>
+          <a:xfrm>
+            <a:off x="11082330" y="191192"/>
+            <a:ext cx="573578" cy="573578"/>
+          </a:xfrm>
+          <a:prstGeom prst="ellipse">
+            <a:avLst/>
+          </a:prstGeom>
+          <a:solidFill>
+            <a:srgbClr val="00B050"/>
+          </a:solidFill>
+          <a:ln>
+            <a:solidFill>
+              <a:schemeClr val="tx1"/>
+            </a:solidFill>
+          </a:ln>
+        </p:spPr>
+        <p:style>
+          <a:lnRef idx="2">
+            <a:schemeClr val="accent1">
+              <a:shade val="50000"/>
+            </a:schemeClr>
+          </a:lnRef>
+          <a:fillRef idx="1">
+            <a:schemeClr val="accent1"/>
+          </a:fillRef>
+          <a:effectRef idx="0">
+            <a:schemeClr val="accent1"/>
+          </a:effectRef>
+          <a:fontRef idx="minor">
+            <a:schemeClr val="lt1"/>
+          </a:fontRef>
+        </p:style>
+        <p:txBody>
+          <a:bodyPr rtlCol="0" anchor="ctr"/>
+          <a:lstStyle/>
+          <a:p>
+            <a:pPr algn="ctr"/>
+            <a:r>
+              <a:rPr lang="en-US" altLang="ko-KR" b="1" dirty="0" smtClean="0"/>
+              <a:t>E</a:t>
+            </a:r>
+            <a:endParaRPr lang="ko-KR" altLang="en-US" b="1" dirty="0"/>
+          </a:p>
+        </p:txBody>
+      </p:sp>
+      <p:sp>
+        <p:nvSpPr>
+          <p:cNvPr id="9" name="TextBox 8"/>
+          <p:cNvSpPr txBox="1"/>
+          <p:nvPr/>
+        </p:nvSpPr>
+        <p:spPr>
+          <a:xfrm>
+            <a:off x="59442" y="137506"/>
+            <a:ext cx="1797927" cy="307777"/>
+          </a:xfrm>
+          <a:prstGeom prst="rect">
+            <a:avLst/>
+          </a:prstGeom>
+          <a:noFill/>
+        </p:spPr>
+        <p:txBody>
+          <a:bodyPr wrap="square" rtlCol="0">
+            <a:spAutoFit/>
+          </a:bodyPr>
+          <a:lstStyle/>
+          <a:p>
+            <a:pPr algn="ctr"/>
+            <a:r>
+              <a:rPr lang="ko-KR" altLang="en-US" sz="1400" dirty="0" smtClean="0"/>
+              <a:t>조회수 </a:t>
+            </a:r>
+            <a:r>
+              <a:rPr lang="en-US" altLang="ko-KR" sz="1400" dirty="0" smtClean="0"/>
+              <a:t>: 78,445 </a:t>
+            </a:r>
+            <a:r>
+              <a:rPr lang="ko-KR" altLang="en-US" sz="1400" dirty="0" smtClean="0"/>
+              <a:t>회</a:t>
+            </a:r>
+            <a:endParaRPr lang="ko-KR" altLang="en-US" sz="1400" dirty="0"/>
+          </a:p>
+        </p:txBody>
+      </p:sp>
     </p:spTree>
     <p:extLst>
       <p:ext uri="{BB962C8B-B14F-4D97-AF65-F5344CB8AC3E}">
@@ -28698,6 +29562,97 @@
             <a:r>
               <a:rPr lang="en-US" altLang="ko-KR" sz="1400" dirty="0" smtClean="0"/>
               <a:t>None</a:t>
+            </a:r>
+            <a:endParaRPr lang="ko-KR" altLang="en-US" sz="1400" dirty="0"/>
+          </a:p>
+        </p:txBody>
+      </p:sp>
+      <p:sp>
+        <p:nvSpPr>
+          <p:cNvPr id="8" name="타원 7"/>
+          <p:cNvSpPr/>
+          <p:nvPr/>
+        </p:nvSpPr>
+        <p:spPr>
+          <a:xfrm>
+            <a:off x="11082330" y="191193"/>
+            <a:ext cx="573578" cy="573578"/>
+          </a:xfrm>
+          <a:prstGeom prst="ellipse">
+            <a:avLst/>
+          </a:prstGeom>
+          <a:solidFill>
+            <a:schemeClr val="accent4"/>
+          </a:solidFill>
+          <a:ln>
+            <a:solidFill>
+              <a:schemeClr val="tx1"/>
+            </a:solidFill>
+          </a:ln>
+        </p:spPr>
+        <p:style>
+          <a:lnRef idx="2">
+            <a:schemeClr val="accent1">
+              <a:shade val="50000"/>
+            </a:schemeClr>
+          </a:lnRef>
+          <a:fillRef idx="1">
+            <a:schemeClr val="accent1"/>
+          </a:fillRef>
+          <a:effectRef idx="0">
+            <a:schemeClr val="accent1"/>
+          </a:effectRef>
+          <a:fontRef idx="minor">
+            <a:schemeClr val="lt1"/>
+          </a:fontRef>
+        </p:style>
+        <p:txBody>
+          <a:bodyPr rtlCol="0" anchor="ctr"/>
+          <a:lstStyle/>
+          <a:p>
+            <a:pPr algn="ctr"/>
+            <a:r>
+              <a:rPr lang="en-US" altLang="ko-KR" b="1" dirty="0" smtClean="0"/>
+              <a:t>C</a:t>
+            </a:r>
+            <a:endParaRPr lang="ko-KR" altLang="en-US" b="1" dirty="0"/>
+          </a:p>
+        </p:txBody>
+      </p:sp>
+      <p:sp>
+        <p:nvSpPr>
+          <p:cNvPr id="9" name="TextBox 8"/>
+          <p:cNvSpPr txBox="1"/>
+          <p:nvPr/>
+        </p:nvSpPr>
+        <p:spPr>
+          <a:xfrm>
+            <a:off x="59442" y="137506"/>
+            <a:ext cx="1797927" cy="307777"/>
+          </a:xfrm>
+          <a:prstGeom prst="rect">
+            <a:avLst/>
+          </a:prstGeom>
+          <a:noFill/>
+        </p:spPr>
+        <p:txBody>
+          <a:bodyPr wrap="square" rtlCol="0">
+            <a:spAutoFit/>
+          </a:bodyPr>
+          <a:lstStyle/>
+          <a:p>
+            <a:pPr algn="ctr"/>
+            <a:r>
+              <a:rPr lang="ko-KR" altLang="en-US" sz="1400" dirty="0" smtClean="0"/>
+              <a:t>조회수 </a:t>
+            </a:r>
+            <a:r>
+              <a:rPr lang="en-US" altLang="ko-KR" sz="1400" dirty="0" smtClean="0"/>
+              <a:t>: 76,264 </a:t>
+            </a:r>
+            <a:r>
+              <a:rPr lang="ko-KR" altLang="en-US" sz="1400" dirty="0" smtClean="0"/>
+              <a:t>회</a:t>
             </a:r>
             <a:endParaRPr lang="ko-KR" altLang="en-US" sz="1400" dirty="0"/>
           </a:p>
@@ -29250,6 +30205,97 @@
           </a:fontRef>
         </p:style>
       </p:cxnSp>
+      <p:sp>
+        <p:nvSpPr>
+          <p:cNvPr id="19" name="타원 18"/>
+          <p:cNvSpPr/>
+          <p:nvPr/>
+        </p:nvSpPr>
+        <p:spPr>
+          <a:xfrm>
+            <a:off x="11082330" y="191193"/>
+            <a:ext cx="573578" cy="573578"/>
+          </a:xfrm>
+          <a:prstGeom prst="ellipse">
+            <a:avLst/>
+          </a:prstGeom>
+          <a:solidFill>
+            <a:schemeClr val="accent4"/>
+          </a:solidFill>
+          <a:ln>
+            <a:solidFill>
+              <a:schemeClr val="tx1"/>
+            </a:solidFill>
+          </a:ln>
+        </p:spPr>
+        <p:style>
+          <a:lnRef idx="2">
+            <a:schemeClr val="accent1">
+              <a:shade val="50000"/>
+            </a:schemeClr>
+          </a:lnRef>
+          <a:fillRef idx="1">
+            <a:schemeClr val="accent1"/>
+          </a:fillRef>
+          <a:effectRef idx="0">
+            <a:schemeClr val="accent1"/>
+          </a:effectRef>
+          <a:fontRef idx="minor">
+            <a:schemeClr val="lt1"/>
+          </a:fontRef>
+        </p:style>
+        <p:txBody>
+          <a:bodyPr rtlCol="0" anchor="ctr"/>
+          <a:lstStyle/>
+          <a:p>
+            <a:pPr algn="ctr"/>
+            <a:r>
+              <a:rPr lang="en-US" altLang="ko-KR" b="1" dirty="0" smtClean="0"/>
+              <a:t>C</a:t>
+            </a:r>
+            <a:endParaRPr lang="ko-KR" altLang="en-US" b="1" dirty="0"/>
+          </a:p>
+        </p:txBody>
+      </p:sp>
+      <p:sp>
+        <p:nvSpPr>
+          <p:cNvPr id="20" name="TextBox 19"/>
+          <p:cNvSpPr txBox="1"/>
+          <p:nvPr/>
+        </p:nvSpPr>
+        <p:spPr>
+          <a:xfrm>
+            <a:off x="59442" y="137506"/>
+            <a:ext cx="1797927" cy="307777"/>
+          </a:xfrm>
+          <a:prstGeom prst="rect">
+            <a:avLst/>
+          </a:prstGeom>
+          <a:noFill/>
+        </p:spPr>
+        <p:txBody>
+          <a:bodyPr wrap="square" rtlCol="0">
+            <a:spAutoFit/>
+          </a:bodyPr>
+          <a:lstStyle/>
+          <a:p>
+            <a:pPr algn="ctr"/>
+            <a:r>
+              <a:rPr lang="ko-KR" altLang="en-US" sz="1400" dirty="0" smtClean="0"/>
+              <a:t>조회수 </a:t>
+            </a:r>
+            <a:r>
+              <a:rPr lang="en-US" altLang="ko-KR" sz="1400" dirty="0" smtClean="0"/>
+              <a:t>: 86,893 </a:t>
+            </a:r>
+            <a:r>
+              <a:rPr lang="ko-KR" altLang="en-US" sz="1400" dirty="0" smtClean="0"/>
+              <a:t>회</a:t>
+            </a:r>
+            <a:endParaRPr lang="ko-KR" altLang="en-US" sz="1400" dirty="0"/>
+          </a:p>
+        </p:txBody>
+      </p:sp>
     </p:spTree>
     <p:extLst>
       <p:ext uri="{BB962C8B-B14F-4D97-AF65-F5344CB8AC3E}">
@@ -29568,6 +30614,149 @@
           </a:fontRef>
         </p:style>
       </p:cxnSp>
+      <p:sp>
+        <p:nvSpPr>
+          <p:cNvPr id="12" name="타원 11"/>
+          <p:cNvSpPr/>
+          <p:nvPr/>
+        </p:nvSpPr>
+        <p:spPr>
+          <a:xfrm>
+            <a:off x="11082330" y="191193"/>
+            <a:ext cx="573578" cy="573578"/>
+          </a:xfrm>
+          <a:prstGeom prst="ellipse">
+            <a:avLst/>
+          </a:prstGeom>
+          <a:solidFill>
+            <a:srgbClr val="00B050"/>
+          </a:solidFill>
+          <a:ln>
+            <a:solidFill>
+              <a:schemeClr val="tx1"/>
+            </a:solidFill>
+          </a:ln>
+        </p:spPr>
+        <p:style>
+          <a:lnRef idx="2">
+            <a:schemeClr val="accent1">
+              <a:shade val="50000"/>
+            </a:schemeClr>
+          </a:lnRef>
+          <a:fillRef idx="1">
+            <a:schemeClr val="accent1"/>
+          </a:fillRef>
+          <a:effectRef idx="0">
+            <a:schemeClr val="accent1"/>
+          </a:effectRef>
+          <a:fontRef idx="minor">
+            <a:schemeClr val="lt1"/>
+          </a:fontRef>
+        </p:style>
+        <p:txBody>
+          <a:bodyPr rtlCol="0" anchor="ctr"/>
+          <a:lstStyle/>
+          <a:p>
+            <a:pPr algn="ctr"/>
+            <a:r>
+              <a:rPr lang="en-US" altLang="ko-KR" b="1" dirty="0" smtClean="0"/>
+              <a:t>E</a:t>
+            </a:r>
+            <a:endParaRPr lang="ko-KR" altLang="en-US" b="1" dirty="0"/>
+          </a:p>
+        </p:txBody>
+      </p:sp>
+      <p:sp>
+        <p:nvSpPr>
+          <p:cNvPr id="15" name="타원 14"/>
+          <p:cNvSpPr/>
+          <p:nvPr/>
+        </p:nvSpPr>
+        <p:spPr>
+          <a:xfrm>
+            <a:off x="10188951" y="191193"/>
+            <a:ext cx="573578" cy="573578"/>
+          </a:xfrm>
+          <a:prstGeom prst="ellipse">
+            <a:avLst/>
+          </a:prstGeom>
+          <a:solidFill>
+            <a:schemeClr val="accent4"/>
+          </a:solidFill>
+          <a:ln>
+            <a:solidFill>
+              <a:schemeClr val="tx1"/>
+            </a:solidFill>
+          </a:ln>
+        </p:spPr>
+        <p:style>
+          <a:lnRef idx="2">
+            <a:schemeClr val="accent1">
+              <a:shade val="50000"/>
+            </a:schemeClr>
+          </a:lnRef>
+          <a:fillRef idx="1">
+            <a:schemeClr val="accent1"/>
+          </a:fillRef>
+          <a:effectRef idx="0">
+            <a:schemeClr val="accent1"/>
+          </a:effectRef>
+          <a:fontRef idx="minor">
+            <a:schemeClr val="lt1"/>
+          </a:fontRef>
+        </p:style>
+        <p:txBody>
+          <a:bodyPr rtlCol="0" anchor="ctr"/>
+          <a:lstStyle/>
+          <a:p>
+            <a:pPr algn="ctr"/>
+            <a:r>
+              <a:rPr lang="en-US" altLang="ko-KR" b="1" dirty="0" smtClean="0"/>
+              <a:t>C</a:t>
+            </a:r>
+            <a:endParaRPr lang="ko-KR" altLang="en-US" b="1" dirty="0"/>
+          </a:p>
+        </p:txBody>
+      </p:sp>
+      <p:sp>
+        <p:nvSpPr>
+          <p:cNvPr id="16" name="TextBox 15"/>
+          <p:cNvSpPr txBox="1"/>
+          <p:nvPr/>
+        </p:nvSpPr>
+        <p:spPr>
+          <a:xfrm>
+            <a:off x="59442" y="137506"/>
+            <a:ext cx="1797927" cy="307777"/>
+          </a:xfrm>
+          <a:prstGeom prst="rect">
+            <a:avLst/>
+          </a:prstGeom>
+          <a:noFill/>
+        </p:spPr>
+        <p:txBody>
+          <a:bodyPr wrap="square" rtlCol="0">
+            <a:spAutoFit/>
+          </a:bodyPr>
+          <a:lstStyle/>
+          <a:p>
+            <a:pPr algn="ctr"/>
+            <a:r>
+              <a:rPr lang="ko-KR" altLang="en-US" sz="1400" dirty="0" smtClean="0"/>
+              <a:t>조회수 </a:t>
+            </a:r>
+            <a:r>
+              <a:rPr lang="en-US" altLang="ko-KR" sz="1400" dirty="0" smtClean="0"/>
+              <a:t>: 60,284 </a:t>
+            </a:r>
+            <a:r>
+              <a:rPr lang="ko-KR" altLang="en-US" sz="1400" dirty="0" smtClean="0"/>
+              <a:t>회</a:t>
+            </a:r>
+            <a:endParaRPr lang="ko-KR" altLang="en-US" sz="1400" dirty="0"/>
+          </a:p>
+        </p:txBody>
+      </p:sp>
     </p:spTree>
     <p:extLst>
       <p:ext uri="{BB962C8B-B14F-4D97-AF65-F5344CB8AC3E}">
@@ -29877,6 +31066,149 @@
           </a:fontRef>
         </p:style>
       </p:cxnSp>
+      <p:sp>
+        <p:nvSpPr>
+          <p:cNvPr id="12" name="타원 11"/>
+          <p:cNvSpPr/>
+          <p:nvPr/>
+        </p:nvSpPr>
+        <p:spPr>
+          <a:xfrm>
+            <a:off x="10188951" y="191193"/>
+            <a:ext cx="573578" cy="573578"/>
+          </a:xfrm>
+          <a:prstGeom prst="ellipse">
+            <a:avLst/>
+          </a:prstGeom>
+          <a:solidFill>
+            <a:schemeClr val="accent4"/>
+          </a:solidFill>
+          <a:ln>
+            <a:solidFill>
+              <a:schemeClr val="tx1"/>
+            </a:solidFill>
+          </a:ln>
+        </p:spPr>
+        <p:style>
+          <a:lnRef idx="2">
+            <a:schemeClr val="accent1">
+              <a:shade val="50000"/>
+            </a:schemeClr>
+          </a:lnRef>
+          <a:fillRef idx="1">
+            <a:schemeClr val="accent1"/>
+          </a:fillRef>
+          <a:effectRef idx="0">
+            <a:schemeClr val="accent1"/>
+          </a:effectRef>
+          <a:fontRef idx="minor">
+            <a:schemeClr val="lt1"/>
+          </a:fontRef>
+        </p:style>
+        <p:txBody>
+          <a:bodyPr rtlCol="0" anchor="ctr"/>
+          <a:lstStyle/>
+          <a:p>
+            <a:pPr algn="ctr"/>
+            <a:r>
+              <a:rPr lang="en-US" altLang="ko-KR" b="1" dirty="0" smtClean="0"/>
+              <a:t>C</a:t>
+            </a:r>
+            <a:endParaRPr lang="ko-KR" altLang="en-US" b="1" dirty="0"/>
+          </a:p>
+        </p:txBody>
+      </p:sp>
+      <p:sp>
+        <p:nvSpPr>
+          <p:cNvPr id="13" name="타원 12"/>
+          <p:cNvSpPr/>
+          <p:nvPr/>
+        </p:nvSpPr>
+        <p:spPr>
+          <a:xfrm>
+            <a:off x="11082330" y="191193"/>
+            <a:ext cx="573578" cy="573578"/>
+          </a:xfrm>
+          <a:prstGeom prst="ellipse">
+            <a:avLst/>
+          </a:prstGeom>
+          <a:solidFill>
+            <a:srgbClr val="C00000"/>
+          </a:solidFill>
+          <a:ln>
+            <a:solidFill>
+              <a:schemeClr val="tx1"/>
+            </a:solidFill>
+          </a:ln>
+        </p:spPr>
+        <p:style>
+          <a:lnRef idx="2">
+            <a:schemeClr val="accent1">
+              <a:shade val="50000"/>
+            </a:schemeClr>
+          </a:lnRef>
+          <a:fillRef idx="1">
+            <a:schemeClr val="accent1"/>
+          </a:fillRef>
+          <a:effectRef idx="0">
+            <a:schemeClr val="accent1"/>
+          </a:effectRef>
+          <a:fontRef idx="minor">
+            <a:schemeClr val="lt1"/>
+          </a:fontRef>
+        </p:style>
+        <p:txBody>
+          <a:bodyPr rtlCol="0" anchor="ctr"/>
+          <a:lstStyle/>
+          <a:p>
+            <a:pPr algn="ctr"/>
+            <a:r>
+              <a:rPr lang="en-US" altLang="ko-KR" b="1" dirty="0" smtClean="0"/>
+              <a:t>S</a:t>
+            </a:r>
+            <a:endParaRPr lang="ko-KR" altLang="en-US" b="1" dirty="0"/>
+          </a:p>
+        </p:txBody>
+      </p:sp>
+      <p:sp>
+        <p:nvSpPr>
+          <p:cNvPr id="14" name="TextBox 13"/>
+          <p:cNvSpPr txBox="1"/>
+          <p:nvPr/>
+        </p:nvSpPr>
+        <p:spPr>
+          <a:xfrm>
+            <a:off x="59442" y="137506"/>
+            <a:ext cx="1797927" cy="307777"/>
+          </a:xfrm>
+          <a:prstGeom prst="rect">
+            <a:avLst/>
+          </a:prstGeom>
+          <a:noFill/>
+        </p:spPr>
+        <p:txBody>
+          <a:bodyPr wrap="square" rtlCol="0">
+            <a:spAutoFit/>
+          </a:bodyPr>
+          <a:lstStyle/>
+          <a:p>
+            <a:pPr algn="ctr"/>
+            <a:r>
+              <a:rPr lang="ko-KR" altLang="en-US" sz="1400" dirty="0" smtClean="0"/>
+              <a:t>조회수 </a:t>
+            </a:r>
+            <a:r>
+              <a:rPr lang="en-US" altLang="ko-KR" sz="1400" dirty="0" smtClean="0"/>
+              <a:t>: 74,903 </a:t>
+            </a:r>
+            <a:r>
+              <a:rPr lang="ko-KR" altLang="en-US" sz="1400" dirty="0" smtClean="0"/>
+              <a:t>회</a:t>
+            </a:r>
+            <a:endParaRPr lang="ko-KR" altLang="en-US" sz="1400" dirty="0"/>
+          </a:p>
+        </p:txBody>
+      </p:sp>
     </p:spTree>
     <p:extLst>
       <p:ext uri="{BB962C8B-B14F-4D97-AF65-F5344CB8AC3E}">
@@ -30103,6 +31435,149 @@
             <a:r>
               <a:rPr lang="en-US" altLang="ko-KR" sz="1400" dirty="0" smtClean="0"/>
               <a:t>None</a:t>
+            </a:r>
+            <a:endParaRPr lang="ko-KR" altLang="en-US" sz="1400" dirty="0"/>
+          </a:p>
+        </p:txBody>
+      </p:sp>
+      <p:sp>
+        <p:nvSpPr>
+          <p:cNvPr id="8" name="타원 7"/>
+          <p:cNvSpPr/>
+          <p:nvPr/>
+        </p:nvSpPr>
+        <p:spPr>
+          <a:xfrm>
+            <a:off x="10188951" y="191193"/>
+            <a:ext cx="573578" cy="573578"/>
+          </a:xfrm>
+          <a:prstGeom prst="ellipse">
+            <a:avLst/>
+          </a:prstGeom>
+          <a:solidFill>
+            <a:schemeClr val="accent4"/>
+          </a:solidFill>
+          <a:ln>
+            <a:solidFill>
+              <a:schemeClr val="tx1"/>
+            </a:solidFill>
+          </a:ln>
+        </p:spPr>
+        <p:style>
+          <a:lnRef idx="2">
+            <a:schemeClr val="accent1">
+              <a:shade val="50000"/>
+            </a:schemeClr>
+          </a:lnRef>
+          <a:fillRef idx="1">
+            <a:schemeClr val="accent1"/>
+          </a:fillRef>
+          <a:effectRef idx="0">
+            <a:schemeClr val="accent1"/>
+          </a:effectRef>
+          <a:fontRef idx="minor">
+            <a:schemeClr val="lt1"/>
+          </a:fontRef>
+        </p:style>
+        <p:txBody>
+          <a:bodyPr rtlCol="0" anchor="ctr"/>
+          <a:lstStyle/>
+          <a:p>
+            <a:pPr algn="ctr"/>
+            <a:r>
+              <a:rPr lang="en-US" altLang="ko-KR" b="1" dirty="0" smtClean="0"/>
+              <a:t>C</a:t>
+            </a:r>
+            <a:endParaRPr lang="ko-KR" altLang="en-US" b="1" dirty="0"/>
+          </a:p>
+        </p:txBody>
+      </p:sp>
+      <p:sp>
+        <p:nvSpPr>
+          <p:cNvPr id="9" name="타원 8"/>
+          <p:cNvSpPr/>
+          <p:nvPr/>
+        </p:nvSpPr>
+        <p:spPr>
+          <a:xfrm>
+            <a:off x="11082330" y="191193"/>
+            <a:ext cx="573578" cy="573578"/>
+          </a:xfrm>
+          <a:prstGeom prst="ellipse">
+            <a:avLst/>
+          </a:prstGeom>
+          <a:solidFill>
+            <a:srgbClr val="C00000"/>
+          </a:solidFill>
+          <a:ln>
+            <a:solidFill>
+              <a:schemeClr val="tx1"/>
+            </a:solidFill>
+          </a:ln>
+        </p:spPr>
+        <p:style>
+          <a:lnRef idx="2">
+            <a:schemeClr val="accent1">
+              <a:shade val="50000"/>
+            </a:schemeClr>
+          </a:lnRef>
+          <a:fillRef idx="1">
+            <a:schemeClr val="accent1"/>
+          </a:fillRef>
+          <a:effectRef idx="0">
+            <a:schemeClr val="accent1"/>
+          </a:effectRef>
+          <a:fontRef idx="minor">
+            <a:schemeClr val="lt1"/>
+          </a:fontRef>
+        </p:style>
+        <p:txBody>
+          <a:bodyPr rtlCol="0" anchor="ctr"/>
+          <a:lstStyle/>
+          <a:p>
+            <a:pPr algn="ctr"/>
+            <a:r>
+              <a:rPr lang="en-US" altLang="ko-KR" b="1" dirty="0" smtClean="0"/>
+              <a:t>S</a:t>
+            </a:r>
+            <a:endParaRPr lang="ko-KR" altLang="en-US" b="1" dirty="0"/>
+          </a:p>
+        </p:txBody>
+      </p:sp>
+      <p:sp>
+        <p:nvSpPr>
+          <p:cNvPr id="10" name="TextBox 9"/>
+          <p:cNvSpPr txBox="1"/>
+          <p:nvPr/>
+        </p:nvSpPr>
+        <p:spPr>
+          <a:xfrm>
+            <a:off x="59442" y="137506"/>
+            <a:ext cx="1797927" cy="307777"/>
+          </a:xfrm>
+          <a:prstGeom prst="rect">
+            <a:avLst/>
+          </a:prstGeom>
+          <a:noFill/>
+        </p:spPr>
+        <p:txBody>
+          <a:bodyPr wrap="square" rtlCol="0">
+            <a:spAutoFit/>
+          </a:bodyPr>
+          <a:lstStyle/>
+          <a:p>
+            <a:pPr algn="ctr"/>
+            <a:r>
+              <a:rPr lang="ko-KR" altLang="en-US" sz="1400" dirty="0" smtClean="0"/>
+              <a:t>조회수 </a:t>
+            </a:r>
+            <a:r>
+              <a:rPr lang="en-US" altLang="ko-KR" sz="1400" dirty="0" smtClean="0"/>
+              <a:t>: 58,598 </a:t>
+            </a:r>
+            <a:r>
+              <a:rPr lang="ko-KR" altLang="en-US" sz="1400" dirty="0" smtClean="0"/>
+              <a:t>회</a:t>
             </a:r>
             <a:endParaRPr lang="ko-KR" altLang="en-US" sz="1400" dirty="0"/>
           </a:p>
